--- a/dojo_03_miyajima/dojo_03_cordinig_design.pptx
+++ b/dojo_03_miyajima/dojo_03_cordinig_design.pptx
@@ -201,7 +201,7 @@
           <a:p>
             <a:fld id="{C7D01095-D25D-A445-A201-D8896F3961E8}" type="datetimeFigureOut">
               <a:rPr kumimoji="1" lang="ja-JP" altLang="en-US" smtClean="0"/>
-              <a:t>2024/10/15</a:t>
+              <a:t>2024/10/16</a:t>
             </a:fld>
             <a:endParaRPr kumimoji="1" lang="ja-JP" altLang="en-US"/>
           </a:p>
@@ -731,7 +731,7 @@
           <a:p>
             <a:fld id="{8957537A-E593-C244-8FA2-8DE7DF7C250B}" type="datetimeFigureOut">
               <a:rPr kumimoji="1" lang="ja-JP" altLang="en-US" smtClean="0"/>
-              <a:t>2024/10/15</a:t>
+              <a:t>2024/10/16</a:t>
             </a:fld>
             <a:endParaRPr kumimoji="1" lang="ja-JP" altLang="en-US"/>
           </a:p>
@@ -961,7 +961,7 @@
           <a:p>
             <a:fld id="{8957537A-E593-C244-8FA2-8DE7DF7C250B}" type="datetimeFigureOut">
               <a:rPr kumimoji="1" lang="ja-JP" altLang="en-US" smtClean="0"/>
-              <a:t>2024/10/15</a:t>
+              <a:t>2024/10/16</a:t>
             </a:fld>
             <a:endParaRPr kumimoji="1" lang="ja-JP" altLang="en-US"/>
           </a:p>
@@ -1201,7 +1201,7 @@
           <a:p>
             <a:fld id="{8957537A-E593-C244-8FA2-8DE7DF7C250B}" type="datetimeFigureOut">
               <a:rPr kumimoji="1" lang="ja-JP" altLang="en-US" smtClean="0"/>
-              <a:t>2024/10/15</a:t>
+              <a:t>2024/10/16</a:t>
             </a:fld>
             <a:endParaRPr kumimoji="1" lang="ja-JP" altLang="en-US"/>
           </a:p>
@@ -1431,7 +1431,7 @@
           <a:p>
             <a:fld id="{8957537A-E593-C244-8FA2-8DE7DF7C250B}" type="datetimeFigureOut">
               <a:rPr kumimoji="1" lang="ja-JP" altLang="en-US" smtClean="0"/>
-              <a:t>2024/10/15</a:t>
+              <a:t>2024/10/16</a:t>
             </a:fld>
             <a:endParaRPr kumimoji="1" lang="ja-JP" altLang="en-US"/>
           </a:p>
@@ -1706,7 +1706,7 @@
           <a:p>
             <a:fld id="{8957537A-E593-C244-8FA2-8DE7DF7C250B}" type="datetimeFigureOut">
               <a:rPr kumimoji="1" lang="ja-JP" altLang="en-US" smtClean="0"/>
-              <a:t>2024/10/15</a:t>
+              <a:t>2024/10/16</a:t>
             </a:fld>
             <a:endParaRPr kumimoji="1" lang="ja-JP" altLang="en-US"/>
           </a:p>
@@ -2035,7 +2035,7 @@
           <a:p>
             <a:fld id="{8957537A-E593-C244-8FA2-8DE7DF7C250B}" type="datetimeFigureOut">
               <a:rPr kumimoji="1" lang="ja-JP" altLang="en-US" smtClean="0"/>
-              <a:t>2024/10/15</a:t>
+              <a:t>2024/10/16</a:t>
             </a:fld>
             <a:endParaRPr kumimoji="1" lang="ja-JP" altLang="en-US"/>
           </a:p>
@@ -2511,7 +2511,7 @@
           <a:p>
             <a:fld id="{8957537A-E593-C244-8FA2-8DE7DF7C250B}" type="datetimeFigureOut">
               <a:rPr kumimoji="1" lang="ja-JP" altLang="en-US" smtClean="0"/>
-              <a:t>2024/10/15</a:t>
+              <a:t>2024/10/16</a:t>
             </a:fld>
             <a:endParaRPr kumimoji="1" lang="ja-JP" altLang="en-US"/>
           </a:p>
@@ -2652,7 +2652,7 @@
           <a:p>
             <a:fld id="{8957537A-E593-C244-8FA2-8DE7DF7C250B}" type="datetimeFigureOut">
               <a:rPr kumimoji="1" lang="ja-JP" altLang="en-US" smtClean="0"/>
-              <a:t>2024/10/15</a:t>
+              <a:t>2024/10/16</a:t>
             </a:fld>
             <a:endParaRPr kumimoji="1" lang="ja-JP" altLang="en-US"/>
           </a:p>
@@ -2765,7 +2765,7 @@
           <a:p>
             <a:fld id="{8957537A-E593-C244-8FA2-8DE7DF7C250B}" type="datetimeFigureOut">
               <a:rPr kumimoji="1" lang="ja-JP" altLang="en-US" smtClean="0"/>
-              <a:t>2024/10/15</a:t>
+              <a:t>2024/10/16</a:t>
             </a:fld>
             <a:endParaRPr kumimoji="1" lang="ja-JP" altLang="en-US"/>
           </a:p>
@@ -3108,7 +3108,7 @@
           <a:p>
             <a:fld id="{8957537A-E593-C244-8FA2-8DE7DF7C250B}" type="datetimeFigureOut">
               <a:rPr kumimoji="1" lang="ja-JP" altLang="en-US" smtClean="0"/>
-              <a:t>2024/10/15</a:t>
+              <a:t>2024/10/16</a:t>
             </a:fld>
             <a:endParaRPr kumimoji="1" lang="ja-JP" altLang="en-US"/>
           </a:p>
@@ -3396,7 +3396,7 @@
           <a:p>
             <a:fld id="{8957537A-E593-C244-8FA2-8DE7DF7C250B}" type="datetimeFigureOut">
               <a:rPr kumimoji="1" lang="ja-JP" altLang="en-US" smtClean="0"/>
-              <a:t>2024/10/15</a:t>
+              <a:t>2024/10/16</a:t>
             </a:fld>
             <a:endParaRPr kumimoji="1" lang="ja-JP" altLang="en-US"/>
           </a:p>
@@ -3669,7 +3669,7 @@
           <a:p>
             <a:fld id="{8957537A-E593-C244-8FA2-8DE7DF7C250B}" type="datetimeFigureOut">
               <a:rPr kumimoji="1" lang="ja-JP" altLang="en-US" smtClean="0"/>
-              <a:t>2024/10/15</a:t>
+              <a:t>2024/10/16</a:t>
             </a:fld>
             <a:endParaRPr kumimoji="1" lang="ja-JP" altLang="en-US"/>
           </a:p>
@@ -4168,7 +4168,7 @@
         </p:blipFill>
         <p:spPr>
           <a:xfrm>
-            <a:off x="1228902" y="179535"/>
+            <a:off x="1220343" y="187500"/>
             <a:ext cx="2791883" cy="6534015"/>
           </a:xfrm>
           <a:prstGeom prst="rect">
@@ -4394,7 +4394,7 @@
         <p:spPr>
           <a:xfrm>
             <a:off x="2930779" y="281369"/>
-            <a:ext cx="514885" cy="246221"/>
+            <a:ext cx="1196161" cy="246221"/>
           </a:xfrm>
           <a:prstGeom prst="rect">
             <a:avLst/>
@@ -4411,7 +4411,7 @@
           <a:p>
             <a:r>
               <a:rPr lang="en-US" altLang="ja-JP" sz="1000" dirty="0"/>
-              <a:t>&lt;h1&gt;</a:t>
+              <a:t>&lt;h1&gt; class=logo</a:t>
             </a:r>
           </a:p>
         </p:txBody>
@@ -5001,7 +5001,7 @@
         </p:nvSpPr>
         <p:spPr>
           <a:xfrm>
-            <a:off x="871169" y="632808"/>
+            <a:off x="862933" y="1484871"/>
             <a:ext cx="1430552" cy="523220"/>
           </a:xfrm>
           <a:prstGeom prst="rect">
@@ -5394,8 +5394,8 @@
         </p:nvSpPr>
         <p:spPr>
           <a:xfrm>
-            <a:off x="5144120" y="630348"/>
-            <a:ext cx="3136423" cy="5521973"/>
+            <a:off x="5188217" y="630348"/>
+            <a:ext cx="3000923" cy="5521973"/>
           </a:xfrm>
           <a:prstGeom prst="rect">
             <a:avLst/>
@@ -5543,7 +5543,7 @@
         </p:nvSpPr>
         <p:spPr>
           <a:xfrm>
-            <a:off x="10252874" y="367019"/>
+            <a:off x="10657316" y="44717"/>
             <a:ext cx="1301959" cy="400110"/>
           </a:xfrm>
           <a:prstGeom prst="rect">
@@ -5591,8 +5591,8 @@
         </p:nvSpPr>
         <p:spPr>
           <a:xfrm>
-            <a:off x="8790998" y="165939"/>
-            <a:ext cx="2994167" cy="3849469"/>
+            <a:off x="8790998" y="119081"/>
+            <a:ext cx="2994167" cy="3896327"/>
           </a:xfrm>
           <a:prstGeom prst="rect">
             <a:avLst/>
@@ -5700,7 +5700,7 @@
         </p:nvSpPr>
         <p:spPr>
           <a:xfrm>
-            <a:off x="8839981" y="649548"/>
+            <a:off x="8994599" y="710172"/>
             <a:ext cx="870386" cy="230832"/>
           </a:xfrm>
           <a:prstGeom prst="rect">
@@ -5729,47 +5729,6 @@
       </p:sp>
       <p:sp>
         <p:nvSpPr>
-          <p:cNvPr id="142" name="テキスト ボックス 141">
-            <a:extLst>
-              <a:ext uri="{FF2B5EF4-FFF2-40B4-BE49-F238E27FC236}">
-                <a16:creationId xmlns:a16="http://schemas.microsoft.com/office/drawing/2014/main" id="{800C610E-55DA-0BD6-1252-492E4E22B066}"/>
-              </a:ext>
-            </a:extLst>
-          </p:cNvPr>
-          <p:cNvSpPr txBox="1"/>
-          <p:nvPr/>
-        </p:nvSpPr>
-        <p:spPr>
-          <a:xfrm>
-            <a:off x="9116531" y="1349194"/>
-            <a:ext cx="683087" cy="400110"/>
-          </a:xfrm>
-          <a:prstGeom prst="rect">
-            <a:avLst/>
-          </a:prstGeom>
-          <a:solidFill>
-            <a:schemeClr val="bg1"/>
-          </a:solidFill>
-        </p:spPr>
-        <p:txBody>
-          <a:bodyPr wrap="square" rtlCol="0">
-            <a:spAutoFit/>
-          </a:bodyPr>
-          <a:lstStyle/>
-          <a:p>
-            <a:r>
-              <a:rPr lang="en-US" altLang="ja-JP" sz="1000" b="1" dirty="0">
-                <a:solidFill>
-                  <a:srgbClr val="FF0000"/>
-                </a:solidFill>
-              </a:rPr>
-              <a:t>&lt;form&gt;&lt;a&gt;</a:t>
-            </a:r>
-          </a:p>
-        </p:txBody>
-      </p:sp>
-      <p:sp>
-        <p:nvSpPr>
           <p:cNvPr id="143" name="正方形/長方形 142">
             <a:extLst>
               <a:ext uri="{FF2B5EF4-FFF2-40B4-BE49-F238E27FC236}">
@@ -5782,8 +5741,8 @@
         </p:nvSpPr>
         <p:spPr>
           <a:xfrm>
-            <a:off x="8904867" y="1273211"/>
-            <a:ext cx="2804035" cy="485839"/>
+            <a:off x="8965390" y="1273211"/>
+            <a:ext cx="2630066" cy="485839"/>
           </a:xfrm>
           <a:prstGeom prst="rect">
             <a:avLst/>
@@ -5822,103 +5781,6 @@
       </p:sp>
       <p:sp>
         <p:nvSpPr>
-          <p:cNvPr id="144" name="テキスト ボックス 143">
-            <a:extLst>
-              <a:ext uri="{FF2B5EF4-FFF2-40B4-BE49-F238E27FC236}">
-                <a16:creationId xmlns:a16="http://schemas.microsoft.com/office/drawing/2014/main" id="{510AD65B-34E8-3BCF-F9B2-B3AF6122177E}"/>
-              </a:ext>
-            </a:extLst>
-          </p:cNvPr>
-          <p:cNvSpPr txBox="1"/>
-          <p:nvPr/>
-        </p:nvSpPr>
-        <p:spPr>
-          <a:xfrm>
-            <a:off x="10694370" y="1349194"/>
-            <a:ext cx="1003144" cy="400110"/>
-          </a:xfrm>
-          <a:prstGeom prst="rect">
-            <a:avLst/>
-          </a:prstGeom>
-          <a:solidFill>
-            <a:schemeClr val="accent5">
-              <a:lumMod val="20000"/>
-              <a:lumOff val="80000"/>
-            </a:schemeClr>
-          </a:solidFill>
-        </p:spPr>
-        <p:txBody>
-          <a:bodyPr wrap="square" rtlCol="0">
-            <a:spAutoFit/>
-          </a:bodyPr>
-          <a:lstStyle/>
-          <a:p>
-            <a:r>
-              <a:rPr lang="en-US" altLang="ja-JP" sz="1000" dirty="0"/>
-              <a:t>Div class form button</a:t>
-            </a:r>
-          </a:p>
-        </p:txBody>
-      </p:sp>
-      <p:sp>
-        <p:nvSpPr>
-          <p:cNvPr id="145" name="テキスト ボックス 144">
-            <a:extLst>
-              <a:ext uri="{FF2B5EF4-FFF2-40B4-BE49-F238E27FC236}">
-                <a16:creationId xmlns:a16="http://schemas.microsoft.com/office/drawing/2014/main" id="{A993A02B-2459-44FD-3D4F-D9D8F661EC87}"/>
-              </a:ext>
-            </a:extLst>
-          </p:cNvPr>
-          <p:cNvSpPr txBox="1"/>
-          <p:nvPr/>
-        </p:nvSpPr>
-        <p:spPr>
-          <a:xfrm>
-            <a:off x="8980471" y="2175365"/>
-            <a:ext cx="870386" cy="230832"/>
-          </a:xfrm>
-          <a:prstGeom prst="rect">
-            <a:avLst/>
-          </a:prstGeom>
-          <a:solidFill>
-            <a:schemeClr val="bg1"/>
-          </a:solidFill>
-        </p:spPr>
-        <p:txBody>
-          <a:bodyPr wrap="square" rtlCol="0">
-            <a:spAutoFit/>
-          </a:bodyPr>
-          <a:lstStyle/>
-          <a:p>
-            <a:r>
-              <a:rPr lang="en-US" altLang="ja-JP" sz="900" b="1" dirty="0">
-                <a:solidFill>
-                  <a:srgbClr val="FF0000"/>
-                </a:solidFill>
-              </a:rPr>
-              <a:t>&lt;</a:t>
-            </a:r>
-            <a:r>
-              <a:rPr lang="en-US" altLang="ja-JP" sz="900" b="1" dirty="0" err="1">
-                <a:solidFill>
-                  <a:srgbClr val="FF0000"/>
-                </a:solidFill>
-              </a:rPr>
-              <a:t>img</a:t>
-            </a:r>
-            <a:r>
-              <a:rPr lang="en-US" altLang="ja-JP" sz="900" b="1" dirty="0">
-                <a:solidFill>
-                  <a:srgbClr val="FF0000"/>
-                </a:solidFill>
-              </a:rPr>
-              <a:t>&gt;</a:t>
-            </a:r>
-          </a:p>
-        </p:txBody>
-      </p:sp>
-      <p:sp>
-        <p:nvSpPr>
           <p:cNvPr id="146" name="四角形吹き出し 145">
             <a:extLst>
               <a:ext uri="{FF2B5EF4-FFF2-40B4-BE49-F238E27FC236}">
@@ -5931,13 +5793,13 @@
         </p:nvSpPr>
         <p:spPr>
           <a:xfrm>
-            <a:off x="7079553" y="735143"/>
+            <a:off x="6714971" y="2654440"/>
             <a:ext cx="1150487" cy="295951"/>
           </a:xfrm>
           <a:prstGeom prst="wedgeRectCallout">
             <a:avLst>
-              <a:gd name="adj1" fmla="val -64562"/>
-              <a:gd name="adj2" fmla="val 25528"/>
+              <a:gd name="adj1" fmla="val -71787"/>
+              <a:gd name="adj2" fmla="val -48204"/>
             </a:avLst>
           </a:prstGeom>
           <a:solidFill>
@@ -6018,13 +5880,13 @@
         </p:nvSpPr>
         <p:spPr>
           <a:xfrm>
-            <a:off x="7250733" y="3221668"/>
+            <a:off x="6792903" y="5233575"/>
             <a:ext cx="808125" cy="295951"/>
           </a:xfrm>
           <a:prstGeom prst="wedgeRectCallout">
             <a:avLst>
-              <a:gd name="adj1" fmla="val -67211"/>
-              <a:gd name="adj2" fmla="val 63291"/>
+              <a:gd name="adj1" fmla="val -99356"/>
+              <a:gd name="adj2" fmla="val -10440"/>
             </a:avLst>
           </a:prstGeom>
           <a:solidFill>
@@ -6097,8 +5959,8 @@
         </p:nvSpPr>
         <p:spPr>
           <a:xfrm>
-            <a:off x="5657404" y="4073095"/>
-            <a:ext cx="2033580" cy="929564"/>
+            <a:off x="5598895" y="3187984"/>
+            <a:ext cx="2357951" cy="2358319"/>
           </a:xfrm>
           <a:prstGeom prst="rect">
             <a:avLst/>
@@ -6140,47 +6002,6 @@
       </p:sp>
       <p:sp>
         <p:nvSpPr>
-          <p:cNvPr id="149" name="テキスト ボックス 148">
-            <a:extLst>
-              <a:ext uri="{FF2B5EF4-FFF2-40B4-BE49-F238E27FC236}">
-                <a16:creationId xmlns:a16="http://schemas.microsoft.com/office/drawing/2014/main" id="{EFDA4FED-A65C-ED34-8C1E-5DBBDCCA5719}"/>
-              </a:ext>
-            </a:extLst>
-          </p:cNvPr>
-          <p:cNvSpPr txBox="1"/>
-          <p:nvPr/>
-        </p:nvSpPr>
-        <p:spPr>
-          <a:xfrm>
-            <a:off x="5690039" y="4002287"/>
-            <a:ext cx="653013" cy="230832"/>
-          </a:xfrm>
-          <a:prstGeom prst="rect">
-            <a:avLst/>
-          </a:prstGeom>
-          <a:solidFill>
-            <a:schemeClr val="bg1"/>
-          </a:solidFill>
-        </p:spPr>
-        <p:txBody>
-          <a:bodyPr wrap="square" rtlCol="0">
-            <a:spAutoFit/>
-          </a:bodyPr>
-          <a:lstStyle/>
-          <a:p>
-            <a:r>
-              <a:rPr lang="en-US" altLang="ja-JP" sz="900" b="1" dirty="0">
-                <a:solidFill>
-                  <a:srgbClr val="FF0000"/>
-                </a:solidFill>
-              </a:rPr>
-              <a:t>&lt;h3&gt;</a:t>
-            </a:r>
-          </a:p>
-        </p:txBody>
-      </p:sp>
-      <p:sp>
-        <p:nvSpPr>
           <p:cNvPr id="151" name="正方形/長方形 150">
             <a:extLst>
               <a:ext uri="{FF2B5EF4-FFF2-40B4-BE49-F238E27FC236}">
@@ -6193,8 +6014,8 @@
         </p:nvSpPr>
         <p:spPr>
           <a:xfrm>
-            <a:off x="5707099" y="1478982"/>
-            <a:ext cx="2033580" cy="929564"/>
+            <a:off x="5485622" y="1056503"/>
+            <a:ext cx="2404416" cy="1936555"/>
           </a:xfrm>
           <a:prstGeom prst="rect">
             <a:avLst/>
@@ -6270,7 +6091,7 @@
                   <a:srgbClr val="FF0000"/>
                 </a:solidFill>
               </a:rPr>
-              <a:t>&lt;h3&gt;</a:t>
+              <a:t>&lt;span&gt;</a:t>
             </a:r>
           </a:p>
         </p:txBody>
@@ -6444,7 +6265,7 @@
         </p:nvSpPr>
         <p:spPr>
           <a:xfrm>
-            <a:off x="8965390" y="2650431"/>
+            <a:off x="10657316" y="566049"/>
             <a:ext cx="1003144" cy="400110"/>
           </a:xfrm>
           <a:prstGeom prst="rect">
@@ -6456,6 +6277,11 @@
               <a:lumOff val="80000"/>
             </a:schemeClr>
           </a:solidFill>
+          <a:ln>
+            <a:solidFill>
+              <a:schemeClr val="accent1"/>
+            </a:solidFill>
+          </a:ln>
         </p:spPr>
         <p:txBody>
           <a:bodyPr wrap="square" rtlCol="0">
@@ -6489,7 +6315,7 @@
         </p:nvSpPr>
         <p:spPr>
           <a:xfrm>
-            <a:off x="5417082" y="864152"/>
+            <a:off x="6739216" y="1341596"/>
             <a:ext cx="1430552" cy="523220"/>
           </a:xfrm>
           <a:prstGeom prst="rect">
@@ -6596,7 +6422,7 @@
         </p:nvSpPr>
         <p:spPr>
           <a:xfrm>
-            <a:off x="5410068" y="3216851"/>
+            <a:off x="6529351" y="3447285"/>
             <a:ext cx="1430552" cy="523220"/>
           </a:xfrm>
           <a:prstGeom prst="rect">
@@ -6789,10 +6615,74 @@
       </p:sp>
       <p:sp>
         <p:nvSpPr>
-          <p:cNvPr id="164" name="正方形/長方形 163">
-            <a:extLst>
-              <a:ext uri="{FF2B5EF4-FFF2-40B4-BE49-F238E27FC236}">
-                <a16:creationId xmlns:a16="http://schemas.microsoft.com/office/drawing/2014/main" id="{0B6526D1-23C3-0D3C-6C59-42DE72D12FEE}"/>
+          <p:cNvPr id="165" name="テキスト ボックス 164">
+            <a:extLst>
+              <a:ext uri="{FF2B5EF4-FFF2-40B4-BE49-F238E27FC236}">
+                <a16:creationId xmlns:a16="http://schemas.microsoft.com/office/drawing/2014/main" id="{922C9169-B53C-E831-6EEB-845E6229A41A}"/>
+              </a:ext>
+            </a:extLst>
+          </p:cNvPr>
+          <p:cNvSpPr txBox="1"/>
+          <p:nvPr/>
+        </p:nvSpPr>
+        <p:spPr>
+          <a:xfrm>
+            <a:off x="5733354" y="2008091"/>
+            <a:ext cx="1614326" cy="369332"/>
+          </a:xfrm>
+          <a:prstGeom prst="rect">
+            <a:avLst/>
+          </a:prstGeom>
+          <a:solidFill>
+            <a:schemeClr val="bg1"/>
+          </a:solidFill>
+        </p:spPr>
+        <p:txBody>
+          <a:bodyPr wrap="square" rtlCol="0">
+            <a:spAutoFit/>
+          </a:bodyPr>
+          <a:lstStyle/>
+          <a:p>
+            <a:r>
+              <a:rPr lang="en-US" altLang="ja-JP" sz="900" b="1" dirty="0">
+                <a:solidFill>
+                  <a:srgbClr val="FF0000"/>
+                </a:solidFill>
+              </a:rPr>
+              <a:t>&lt;p&gt;</a:t>
+            </a:r>
+          </a:p>
+          <a:p>
+            <a:r>
+              <a:rPr lang="en-US" altLang="ja-JP" sz="900" b="1" dirty="0">
+                <a:solidFill>
+                  <a:srgbClr val="FF0000"/>
+                </a:solidFill>
+              </a:rPr>
+              <a:t>Class=</a:t>
+            </a:r>
+            <a:r>
+              <a:rPr lang="en-US" altLang="ja-JP" sz="900" b="1" dirty="0" err="1">
+                <a:solidFill>
+                  <a:srgbClr val="FF0000"/>
+                </a:solidFill>
+              </a:rPr>
+              <a:t>article_title</a:t>
+            </a:r>
+            <a:endParaRPr lang="en-US" altLang="ja-JP" sz="900" b="1" dirty="0">
+              <a:solidFill>
+                <a:srgbClr val="FF0000"/>
+              </a:solidFill>
+            </a:endParaRPr>
+          </a:p>
+        </p:txBody>
+      </p:sp>
+      <p:sp>
+        <p:nvSpPr>
+          <p:cNvPr id="169" name="四角形吹き出し 168">
+            <a:extLst>
+              <a:ext uri="{FF2B5EF4-FFF2-40B4-BE49-F238E27FC236}">
+                <a16:creationId xmlns:a16="http://schemas.microsoft.com/office/drawing/2014/main" id="{B04ADDEB-1AAA-F0B7-B758-72D48173D223}"/>
               </a:ext>
             </a:extLst>
           </p:cNvPr>
@@ -6801,18 +6691,21 @@
         </p:nvSpPr>
         <p:spPr>
           <a:xfrm>
-            <a:off x="8915378" y="1872302"/>
-            <a:ext cx="2777668" cy="1844872"/>
-          </a:xfrm>
-          <a:prstGeom prst="rect">
-            <a:avLst/>
-          </a:prstGeom>
-          <a:noFill/>
-          <a:ln>
-            <a:solidFill>
-              <a:srgbClr val="FF0000"/>
-            </a:solidFill>
-          </a:ln>
+            <a:off x="10032960" y="5527860"/>
+            <a:ext cx="1150487" cy="295951"/>
+          </a:xfrm>
+          <a:prstGeom prst="wedgeRectCallout">
+            <a:avLst>
+              <a:gd name="adj1" fmla="val -64562"/>
+              <a:gd name="adj2" fmla="val 25528"/>
+            </a:avLst>
+          </a:prstGeom>
+          <a:solidFill>
+            <a:schemeClr val="accent2">
+              <a:lumMod val="20000"/>
+              <a:lumOff val="80000"/>
+            </a:schemeClr>
+          </a:solidFill>
         </p:spPr>
         <p:style>
           <a:lnRef idx="2">
@@ -6835,16 +6728,48 @@
           <a:lstStyle/>
           <a:p>
             <a:pPr algn="ctr"/>
-            <a:endParaRPr kumimoji="1" lang="ja-JP" altLang="en-US"/>
-          </a:p>
-        </p:txBody>
-      </p:sp>
-      <p:sp>
-        <p:nvSpPr>
-          <p:cNvPr id="165" name="テキスト ボックス 164">
-            <a:extLst>
-              <a:ext uri="{FF2B5EF4-FFF2-40B4-BE49-F238E27FC236}">
-                <a16:creationId xmlns:a16="http://schemas.microsoft.com/office/drawing/2014/main" id="{922C9169-B53C-E831-6EEB-845E6229A41A}"/>
+            <a:r>
+              <a:rPr lang="en-US" altLang="ja-JP" sz="800" dirty="0" err="1">
+                <a:solidFill>
+                  <a:srgbClr val="CE9178"/>
+                </a:solidFill>
+                <a:latin typeface="Menlo" panose="020B0609030804020204" pitchFamily="49" charset="0"/>
+              </a:rPr>
+              <a:t>Img</a:t>
+            </a:r>
+            <a:r>
+              <a:rPr lang="en-US" altLang="ja-JP" sz="800" dirty="0">
+                <a:solidFill>
+                  <a:srgbClr val="CE9178"/>
+                </a:solidFill>
+                <a:latin typeface="Menlo" panose="020B0609030804020204" pitchFamily="49" charset="0"/>
+              </a:rPr>
+              <a:t>/catalog</a:t>
+            </a:r>
+            <a:r>
+              <a:rPr lang="en-US" altLang="ja-JP" sz="800" b="1" dirty="0">
+                <a:solidFill>
+                  <a:srgbClr val="FF0000"/>
+                </a:solidFill>
+              </a:rPr>
+              <a:t> </a:t>
+            </a:r>
+            <a:endParaRPr lang="en-US" altLang="ja-JP" sz="800" b="0" dirty="0">
+              <a:solidFill>
+                <a:srgbClr val="CCCCCC"/>
+              </a:solidFill>
+              <a:effectLst/>
+              <a:latin typeface="Menlo" panose="020B0609030804020204" pitchFamily="49" charset="0"/>
+            </a:endParaRPr>
+          </a:p>
+        </p:txBody>
+      </p:sp>
+      <p:sp>
+        <p:nvSpPr>
+          <p:cNvPr id="2" name="テキスト ボックス 1">
+            <a:extLst>
+              <a:ext uri="{FF2B5EF4-FFF2-40B4-BE49-F238E27FC236}">
+                <a16:creationId xmlns:a16="http://schemas.microsoft.com/office/drawing/2014/main" id="{868F6C7A-CFA2-FED5-E371-C897E64AAA9D}"/>
               </a:ext>
             </a:extLst>
           </p:cNvPr>
@@ -6853,7 +6778,105 @@
         </p:nvSpPr>
         <p:spPr>
           <a:xfrm>
-            <a:off x="5831532" y="1944533"/>
+            <a:off x="7037275" y="715638"/>
+            <a:ext cx="1101326" cy="553998"/>
+          </a:xfrm>
+          <a:prstGeom prst="rect">
+            <a:avLst/>
+          </a:prstGeom>
+          <a:solidFill>
+            <a:schemeClr val="accent5">
+              <a:lumMod val="20000"/>
+              <a:lumOff val="80000"/>
+            </a:schemeClr>
+          </a:solidFill>
+          <a:ln>
+            <a:solidFill>
+              <a:schemeClr val="accent1"/>
+            </a:solidFill>
+          </a:ln>
+        </p:spPr>
+        <p:txBody>
+          <a:bodyPr wrap="square" rtlCol="0">
+            <a:spAutoFit/>
+          </a:bodyPr>
+          <a:lstStyle/>
+          <a:p>
+            <a:r>
+              <a:rPr lang="en-US" altLang="ja-JP" sz="1000" dirty="0"/>
+              <a:t>Div class archive(</a:t>
+            </a:r>
+            <a:r>
+              <a:rPr lang="ja-JP" altLang="en-US" sz="1000"/>
+              <a:t>背景のための</a:t>
+            </a:r>
+            <a:r>
+              <a:rPr lang="en-US" altLang="ja-JP" sz="1000" dirty="0"/>
+              <a:t>div)</a:t>
+            </a:r>
+          </a:p>
+        </p:txBody>
+      </p:sp>
+      <p:sp>
+        <p:nvSpPr>
+          <p:cNvPr id="3" name="テキスト ボックス 2">
+            <a:extLst>
+              <a:ext uri="{FF2B5EF4-FFF2-40B4-BE49-F238E27FC236}">
+                <a16:creationId xmlns:a16="http://schemas.microsoft.com/office/drawing/2014/main" id="{62083EB1-57E8-1652-0552-16F7E98C218E}"/>
+              </a:ext>
+            </a:extLst>
+          </p:cNvPr>
+          <p:cNvSpPr txBox="1"/>
+          <p:nvPr/>
+        </p:nvSpPr>
+        <p:spPr>
+          <a:xfrm>
+            <a:off x="6868641" y="3147904"/>
+            <a:ext cx="1101326" cy="246221"/>
+          </a:xfrm>
+          <a:prstGeom prst="rect">
+            <a:avLst/>
+          </a:prstGeom>
+          <a:solidFill>
+            <a:schemeClr val="accent5">
+              <a:lumMod val="20000"/>
+              <a:lumOff val="80000"/>
+            </a:schemeClr>
+          </a:solidFill>
+          <a:ln>
+            <a:solidFill>
+              <a:schemeClr val="accent1"/>
+            </a:solidFill>
+          </a:ln>
+        </p:spPr>
+        <p:txBody>
+          <a:bodyPr wrap="square" rtlCol="0">
+            <a:spAutoFit/>
+          </a:bodyPr>
+          <a:lstStyle/>
+          <a:p>
+            <a:r>
+              <a:rPr lang="en-US" altLang="ja-JP" sz="1000" dirty="0"/>
+              <a:t>Div class new</a:t>
+            </a:r>
+          </a:p>
+        </p:txBody>
+      </p:sp>
+      <p:sp>
+        <p:nvSpPr>
+          <p:cNvPr id="4" name="テキスト ボックス 3">
+            <a:extLst>
+              <a:ext uri="{FF2B5EF4-FFF2-40B4-BE49-F238E27FC236}">
+                <a16:creationId xmlns:a16="http://schemas.microsoft.com/office/drawing/2014/main" id="{5E3D396D-B768-A08A-F7E9-C0477B0AF458}"/>
+              </a:ext>
+            </a:extLst>
+          </p:cNvPr>
+          <p:cNvSpPr txBox="1"/>
+          <p:nvPr/>
+        </p:nvSpPr>
+        <p:spPr>
+          <a:xfrm>
+            <a:off x="5729343" y="3943556"/>
             <a:ext cx="653013" cy="230832"/>
           </a:xfrm>
           <a:prstGeom prst="rect">
@@ -6875,17 +6898,17 @@
                   <a:srgbClr val="FF0000"/>
                 </a:solidFill>
               </a:rPr>
-              <a:t>&lt;p&gt;</a:t>
-            </a:r>
-          </a:p>
-        </p:txBody>
-      </p:sp>
-      <p:sp>
-        <p:nvSpPr>
-          <p:cNvPr id="166" name="テキスト ボックス 165">
-            <a:extLst>
-              <a:ext uri="{FF2B5EF4-FFF2-40B4-BE49-F238E27FC236}">
-                <a16:creationId xmlns:a16="http://schemas.microsoft.com/office/drawing/2014/main" id="{0F6DE8B6-DB23-7FD7-B622-57989685C3BD}"/>
+              <a:t>&lt;span&gt;</a:t>
+            </a:r>
+          </a:p>
+        </p:txBody>
+      </p:sp>
+      <p:sp>
+        <p:nvSpPr>
+          <p:cNvPr id="5" name="テキスト ボックス 4">
+            <a:extLst>
+              <a:ext uri="{FF2B5EF4-FFF2-40B4-BE49-F238E27FC236}">
+                <a16:creationId xmlns:a16="http://schemas.microsoft.com/office/drawing/2014/main" id="{6E7D31F0-1783-8732-A6F5-F5611EF80642}"/>
               </a:ext>
             </a:extLst>
           </p:cNvPr>
@@ -6894,8 +6917,8 @@
         </p:nvSpPr>
         <p:spPr>
           <a:xfrm>
-            <a:off x="5784632" y="4464742"/>
-            <a:ext cx="653013" cy="230832"/>
+            <a:off x="5722963" y="4543473"/>
+            <a:ext cx="1614326" cy="369332"/>
           </a:xfrm>
           <a:prstGeom prst="rect">
             <a:avLst/>
@@ -6919,14 +6942,78 @@
               <a:t>&lt;p&gt;</a:t>
             </a:r>
           </a:p>
-        </p:txBody>
-      </p:sp>
-      <p:sp>
-        <p:nvSpPr>
-          <p:cNvPr id="167" name="角丸四角形 166">
-            <a:extLst>
-              <a:ext uri="{FF2B5EF4-FFF2-40B4-BE49-F238E27FC236}">
-                <a16:creationId xmlns:a16="http://schemas.microsoft.com/office/drawing/2014/main" id="{D7A50BFC-D231-C7DB-80A9-4071AC913FE6}"/>
+          <a:p>
+            <a:r>
+              <a:rPr lang="en-US" altLang="ja-JP" sz="900" b="1" dirty="0">
+                <a:solidFill>
+                  <a:srgbClr val="FF0000"/>
+                </a:solidFill>
+              </a:rPr>
+              <a:t>Class=</a:t>
+            </a:r>
+            <a:r>
+              <a:rPr lang="en-US" altLang="ja-JP" sz="900" b="1" dirty="0" err="1">
+                <a:solidFill>
+                  <a:srgbClr val="FF0000"/>
+                </a:solidFill>
+              </a:rPr>
+              <a:t>article_title</a:t>
+            </a:r>
+            <a:endParaRPr lang="en-US" altLang="ja-JP" sz="900" b="1" dirty="0">
+              <a:solidFill>
+                <a:srgbClr val="FF0000"/>
+              </a:solidFill>
+            </a:endParaRPr>
+          </a:p>
+        </p:txBody>
+      </p:sp>
+      <p:sp>
+        <p:nvSpPr>
+          <p:cNvPr id="6" name="テキスト ボックス 5">
+            <a:extLst>
+              <a:ext uri="{FF2B5EF4-FFF2-40B4-BE49-F238E27FC236}">
+                <a16:creationId xmlns:a16="http://schemas.microsoft.com/office/drawing/2014/main" id="{740EB1D3-A9C9-FA77-5CF7-3D2197752A68}"/>
+              </a:ext>
+            </a:extLst>
+          </p:cNvPr>
+          <p:cNvSpPr txBox="1"/>
+          <p:nvPr/>
+        </p:nvSpPr>
+        <p:spPr>
+          <a:xfrm>
+            <a:off x="9143632" y="1188459"/>
+            <a:ext cx="1585651" cy="246221"/>
+          </a:xfrm>
+          <a:prstGeom prst="rect">
+            <a:avLst/>
+          </a:prstGeom>
+          <a:solidFill>
+            <a:schemeClr val="bg1"/>
+          </a:solidFill>
+        </p:spPr>
+        <p:txBody>
+          <a:bodyPr wrap="square" rtlCol="0">
+            <a:spAutoFit/>
+          </a:bodyPr>
+          <a:lstStyle/>
+          <a:p>
+            <a:r>
+              <a:rPr lang="en-US" altLang="ja-JP" sz="1000" b="1" dirty="0">
+                <a:solidFill>
+                  <a:srgbClr val="FF0000"/>
+                </a:solidFill>
+              </a:rPr>
+              <a:t>&lt;a class=button&gt;</a:t>
+            </a:r>
+          </a:p>
+        </p:txBody>
+      </p:sp>
+      <p:sp>
+        <p:nvSpPr>
+          <p:cNvPr id="8" name="正方形/長方形 7">
+            <a:extLst>
+              <a:ext uri="{FF2B5EF4-FFF2-40B4-BE49-F238E27FC236}">
+                <a16:creationId xmlns:a16="http://schemas.microsoft.com/office/drawing/2014/main" id="{287CB2E2-6ABA-038F-4C13-B11C935130CB}"/>
               </a:ext>
             </a:extLst>
           </p:cNvPr>
@@ -6935,12 +7022,21 @@
         </p:nvSpPr>
         <p:spPr>
           <a:xfrm>
-            <a:off x="6135417" y="640494"/>
-            <a:ext cx="599898" cy="221082"/>
-          </a:xfrm>
-          <a:prstGeom prst="roundRect">
-            <a:avLst/>
-          </a:prstGeom>
+            <a:off x="8909615" y="556392"/>
+            <a:ext cx="2767299" cy="3288645"/>
+          </a:xfrm>
+          <a:prstGeom prst="rect">
+            <a:avLst/>
+          </a:prstGeom>
+          <a:noFill/>
+          <a:ln>
+            <a:solidFill>
+              <a:schemeClr val="tx2">
+                <a:lumMod val="50000"/>
+                <a:lumOff val="50000"/>
+              </a:schemeClr>
+            </a:solidFill>
+          </a:ln>
         </p:spPr>
         <p:style>
           <a:lnRef idx="2">
@@ -6963,20 +7059,123 @@
           <a:lstStyle/>
           <a:p>
             <a:pPr algn="ctr"/>
-            <a:r>
-              <a:rPr kumimoji="1" lang="en-US" altLang="ja-JP" sz="1200" dirty="0"/>
-              <a:t>flex</a:t>
-            </a:r>
-            <a:endParaRPr kumimoji="1" lang="ja-JP" altLang="en-US" sz="1200"/>
-          </a:p>
-        </p:txBody>
-      </p:sp>
-      <p:sp>
-        <p:nvSpPr>
-          <p:cNvPr id="168" name="角丸四角形 167">
-            <a:extLst>
-              <a:ext uri="{FF2B5EF4-FFF2-40B4-BE49-F238E27FC236}">
-                <a16:creationId xmlns:a16="http://schemas.microsoft.com/office/drawing/2014/main" id="{80C1FFDA-BD4B-A249-6549-8C10B3887303}"/>
+            <a:endParaRPr kumimoji="1" lang="ja-JP" altLang="en-US"/>
+          </a:p>
+        </p:txBody>
+      </p:sp>
+      <p:sp>
+        <p:nvSpPr>
+          <p:cNvPr id="12" name="テキスト ボックス 11">
+            <a:extLst>
+              <a:ext uri="{FF2B5EF4-FFF2-40B4-BE49-F238E27FC236}">
+                <a16:creationId xmlns:a16="http://schemas.microsoft.com/office/drawing/2014/main" id="{9D6A47D6-6FE1-F5CB-1431-92021E6E4D01}"/>
+              </a:ext>
+            </a:extLst>
+          </p:cNvPr>
+          <p:cNvSpPr txBox="1"/>
+          <p:nvPr/>
+        </p:nvSpPr>
+        <p:spPr>
+          <a:xfrm>
+            <a:off x="10200459" y="2121616"/>
+            <a:ext cx="1430552" cy="523220"/>
+          </a:xfrm>
+          <a:prstGeom prst="rect">
+            <a:avLst/>
+          </a:prstGeom>
+          <a:solidFill>
+            <a:schemeClr val="bg1"/>
+          </a:solidFill>
+        </p:spPr>
+        <p:txBody>
+          <a:bodyPr wrap="square" rtlCol="0">
+            <a:spAutoFit/>
+          </a:bodyPr>
+          <a:lstStyle/>
+          <a:p>
+            <a:r>
+              <a:rPr lang="en-US" altLang="ja-JP" sz="700" b="1" dirty="0">
+                <a:solidFill>
+                  <a:srgbClr val="FF0000"/>
+                </a:solidFill>
+              </a:rPr>
+              <a:t>background-image: </a:t>
+            </a:r>
+            <a:r>
+              <a:rPr lang="en-US" altLang="ja-JP" sz="700" b="1" dirty="0" err="1">
+                <a:solidFill>
+                  <a:srgbClr val="FF0000"/>
+                </a:solidFill>
+              </a:rPr>
+              <a:t>url</a:t>
+            </a:r>
+            <a:r>
+              <a:rPr lang="en-US" altLang="ja-JP" sz="700" b="1" dirty="0">
+                <a:solidFill>
+                  <a:srgbClr val="FF0000"/>
+                </a:solidFill>
+              </a:rPr>
+              <a:t>(”</a:t>
+            </a:r>
+            <a:r>
+              <a:rPr lang="en-US" altLang="ja-JP" sz="700" b="1" dirty="0" err="1">
+                <a:solidFill>
+                  <a:srgbClr val="FF0000"/>
+                </a:solidFill>
+              </a:rPr>
+              <a:t>img</a:t>
+            </a:r>
+            <a:r>
+              <a:rPr lang="en-US" altLang="ja-JP" sz="700" b="1" dirty="0">
+                <a:solidFill>
+                  <a:srgbClr val="FF0000"/>
+                </a:solidFill>
+              </a:rPr>
+              <a:t>/.     "); </a:t>
+            </a:r>
+          </a:p>
+          <a:p>
+            <a:endParaRPr lang="en-US" altLang="ja-JP" sz="700" b="1" dirty="0">
+              <a:solidFill>
+                <a:srgbClr val="FF0000"/>
+              </a:solidFill>
+            </a:endParaRPr>
+          </a:p>
+          <a:p>
+            <a:r>
+              <a:rPr lang="en-US" altLang="ja-JP" sz="700" b="1" dirty="0">
+                <a:solidFill>
+                  <a:srgbClr val="FF0000"/>
+                </a:solidFill>
+              </a:rPr>
+              <a:t>Alt=“</a:t>
+            </a:r>
+            <a:r>
+              <a:rPr lang="en-US" altLang="ja-JP" sz="700" dirty="0">
+                <a:solidFill>
+                  <a:srgbClr val="FF0000"/>
+                </a:solidFill>
+                <a:latin typeface="Menlo" panose="020B0609030804020204" pitchFamily="49" charset="0"/>
+              </a:rPr>
+              <a:t>Magazine-archive</a:t>
+            </a:r>
+            <a:r>
+              <a:rPr lang="en-US" altLang="ja-JP" sz="700" b="1" dirty="0">
+                <a:solidFill>
+                  <a:srgbClr val="FF0000"/>
+                </a:solidFill>
+              </a:rPr>
+              <a:t> ”</a:t>
+            </a:r>
+          </a:p>
+        </p:txBody>
+      </p:sp>
+      <p:sp>
+        <p:nvSpPr>
+          <p:cNvPr id="13" name="角丸四角形 12">
+            <a:extLst>
+              <a:ext uri="{FF2B5EF4-FFF2-40B4-BE49-F238E27FC236}">
+                <a16:creationId xmlns:a16="http://schemas.microsoft.com/office/drawing/2014/main" id="{F58B60CC-8291-8ECC-0337-03E4B2CB099B}"/>
               </a:ext>
             </a:extLst>
           </p:cNvPr>
@@ -6985,8 +7184,8 @@
         </p:nvSpPr>
         <p:spPr>
           <a:xfrm>
-            <a:off x="9793017" y="4277074"/>
-            <a:ext cx="599898" cy="221082"/>
+            <a:off x="6135417" y="640494"/>
+            <a:ext cx="909996" cy="207242"/>
           </a:xfrm>
           <a:prstGeom prst="roundRect">
             <a:avLst/>
@@ -7015,7 +7214,7 @@
             <a:pPr algn="ctr"/>
             <a:r>
               <a:rPr kumimoji="1" lang="en-US" altLang="ja-JP" sz="1200" dirty="0"/>
-              <a:t>flex</a:t>
+              <a:t>PC: Flex </a:t>
             </a:r>
             <a:endParaRPr kumimoji="1" lang="ja-JP" altLang="en-US" sz="1200"/>
           </a:p>
@@ -7023,10 +7222,10 @@
       </p:sp>
       <p:sp>
         <p:nvSpPr>
-          <p:cNvPr id="169" name="四角形吹き出し 168">
-            <a:extLst>
-              <a:ext uri="{FF2B5EF4-FFF2-40B4-BE49-F238E27FC236}">
-                <a16:creationId xmlns:a16="http://schemas.microsoft.com/office/drawing/2014/main" id="{B04ADDEB-1AAA-F0B7-B758-72D48173D223}"/>
+          <p:cNvPr id="14" name="角丸四角形 13">
+            <a:extLst>
+              <a:ext uri="{FF2B5EF4-FFF2-40B4-BE49-F238E27FC236}">
+                <a16:creationId xmlns:a16="http://schemas.microsoft.com/office/drawing/2014/main" id="{2CE43ABA-0AA9-70B6-F514-6095DC435E68}"/>
               </a:ext>
             </a:extLst>
           </p:cNvPr>
@@ -7035,21 +7234,12 @@
         </p:nvSpPr>
         <p:spPr>
           <a:xfrm>
-            <a:off x="10032960" y="5527860"/>
-            <a:ext cx="1150487" cy="295951"/>
-          </a:xfrm>
-          <a:prstGeom prst="wedgeRectCallout">
-            <a:avLst>
-              <a:gd name="adj1" fmla="val -64562"/>
-              <a:gd name="adj2" fmla="val 25528"/>
-            </a:avLst>
-          </a:prstGeom>
-          <a:solidFill>
-            <a:schemeClr val="accent2">
-              <a:lumMod val="20000"/>
-              <a:lumOff val="80000"/>
-            </a:schemeClr>
-          </a:solidFill>
+            <a:off x="10042399" y="4308484"/>
+            <a:ext cx="909996" cy="207242"/>
+          </a:xfrm>
+          <a:prstGeom prst="roundRect">
+            <a:avLst/>
+          </a:prstGeom>
         </p:spPr>
         <p:style>
           <a:lnRef idx="2">
@@ -7073,38 +7263,60 @@
           <a:p>
             <a:pPr algn="ctr"/>
             <a:r>
-              <a:rPr lang="en-US" altLang="ja-JP" sz="800" dirty="0" err="1">
-                <a:solidFill>
-                  <a:srgbClr val="CE9178"/>
-                </a:solidFill>
-                <a:latin typeface="Menlo" panose="020B0609030804020204" pitchFamily="49" charset="0"/>
-              </a:rPr>
-              <a:t>Img</a:t>
-            </a:r>
-            <a:r>
-              <a:rPr lang="en-US" altLang="ja-JP" sz="800" dirty="0">
-                <a:solidFill>
-                  <a:srgbClr val="CE9178"/>
-                </a:solidFill>
-                <a:latin typeface="Menlo" panose="020B0609030804020204" pitchFamily="49" charset="0"/>
-              </a:rPr>
-              <a:t>/catalog</a:t>
-            </a:r>
-            <a:r>
-              <a:rPr lang="en-US" altLang="ja-JP" sz="800" b="1" dirty="0">
-                <a:solidFill>
-                  <a:srgbClr val="FF0000"/>
-                </a:solidFill>
-              </a:rPr>
-              <a:t> </a:t>
-            </a:r>
-            <a:endParaRPr lang="en-US" altLang="ja-JP" sz="800" b="0" dirty="0">
-              <a:solidFill>
-                <a:srgbClr val="CCCCCC"/>
-              </a:solidFill>
-              <a:effectLst/>
-              <a:latin typeface="Menlo" panose="020B0609030804020204" pitchFamily="49" charset="0"/>
-            </a:endParaRPr>
+              <a:rPr kumimoji="1" lang="en-US" altLang="ja-JP" sz="1200" dirty="0"/>
+              <a:t>PC: Flex</a:t>
+            </a:r>
+            <a:endParaRPr kumimoji="1" lang="ja-JP" altLang="en-US" sz="1200"/>
+          </a:p>
+        </p:txBody>
+      </p:sp>
+      <p:sp>
+        <p:nvSpPr>
+          <p:cNvPr id="15" name="テキスト ボックス 14">
+            <a:extLst>
+              <a:ext uri="{FF2B5EF4-FFF2-40B4-BE49-F238E27FC236}">
+                <a16:creationId xmlns:a16="http://schemas.microsoft.com/office/drawing/2014/main" id="{DEE6A4F2-5501-2F09-CBD1-32DDF7F96C23}"/>
+              </a:ext>
+            </a:extLst>
+          </p:cNvPr>
+          <p:cNvSpPr txBox="1"/>
+          <p:nvPr/>
+        </p:nvSpPr>
+        <p:spPr>
+          <a:xfrm>
+            <a:off x="1125667" y="622585"/>
+            <a:ext cx="1101326" cy="246221"/>
+          </a:xfrm>
+          <a:prstGeom prst="rect">
+            <a:avLst/>
+          </a:prstGeom>
+          <a:solidFill>
+            <a:schemeClr val="accent5">
+              <a:lumMod val="20000"/>
+              <a:lumOff val="80000"/>
+            </a:schemeClr>
+          </a:solidFill>
+          <a:ln>
+            <a:solidFill>
+              <a:schemeClr val="accent1"/>
+            </a:solidFill>
+          </a:ln>
+        </p:spPr>
+        <p:txBody>
+          <a:bodyPr wrap="square" rtlCol="0">
+            <a:spAutoFit/>
+          </a:bodyPr>
+          <a:lstStyle/>
+          <a:p>
+            <a:r>
+              <a:rPr lang="en-US" altLang="ja-JP" sz="1000" dirty="0"/>
+              <a:t>Id</a:t>
+            </a:r>
+            <a:r>
+              <a:rPr lang="ja-JP" altLang="en-US" sz="1000"/>
+              <a:t>全域に背景</a:t>
+            </a:r>
+            <a:endParaRPr lang="en-US" altLang="ja-JP" sz="1000" dirty="0"/>
           </a:p>
         </p:txBody>
       </p:sp>
@@ -7755,7 +7967,7 @@
         </p:nvSpPr>
         <p:spPr>
           <a:xfrm>
-            <a:off x="7625104" y="477917"/>
+            <a:off x="7148092" y="593577"/>
             <a:ext cx="1515158" cy="261610"/>
           </a:xfrm>
           <a:prstGeom prst="rect">
@@ -8191,47 +8403,6 @@
       </p:sp>
       <p:sp>
         <p:nvSpPr>
-          <p:cNvPr id="30" name="テキスト ボックス 29">
-            <a:extLst>
-              <a:ext uri="{FF2B5EF4-FFF2-40B4-BE49-F238E27FC236}">
-                <a16:creationId xmlns:a16="http://schemas.microsoft.com/office/drawing/2014/main" id="{D4B22803-FF76-920A-E293-F7851D41E283}"/>
-              </a:ext>
-            </a:extLst>
-          </p:cNvPr>
-          <p:cNvSpPr txBox="1"/>
-          <p:nvPr/>
-        </p:nvSpPr>
-        <p:spPr>
-          <a:xfrm>
-            <a:off x="2066276" y="5909437"/>
-            <a:ext cx="683087" cy="400110"/>
-          </a:xfrm>
-          <a:prstGeom prst="rect">
-            <a:avLst/>
-          </a:prstGeom>
-          <a:solidFill>
-            <a:schemeClr val="bg1"/>
-          </a:solidFill>
-        </p:spPr>
-        <p:txBody>
-          <a:bodyPr wrap="square" rtlCol="0">
-            <a:spAutoFit/>
-          </a:bodyPr>
-          <a:lstStyle/>
-          <a:p>
-            <a:r>
-              <a:rPr lang="en-US" altLang="ja-JP" sz="1000" b="1" dirty="0">
-                <a:solidFill>
-                  <a:srgbClr val="FF0000"/>
-                </a:solidFill>
-              </a:rPr>
-              <a:t>&lt;form&gt;&lt;a&gt;</a:t>
-            </a:r>
-          </a:p>
-        </p:txBody>
-      </p:sp>
-      <p:sp>
-        <p:nvSpPr>
           <p:cNvPr id="31" name="正方形/長方形 30">
             <a:extLst>
               <a:ext uri="{FF2B5EF4-FFF2-40B4-BE49-F238E27FC236}">
@@ -8284,10 +8455,10 @@
       </p:sp>
       <p:sp>
         <p:nvSpPr>
-          <p:cNvPr id="32" name="テキスト ボックス 31">
-            <a:extLst>
-              <a:ext uri="{FF2B5EF4-FFF2-40B4-BE49-F238E27FC236}">
-                <a16:creationId xmlns:a16="http://schemas.microsoft.com/office/drawing/2014/main" id="{0E315F7A-DEA9-2D78-CAF6-8ADFD6066A2C}"/>
+          <p:cNvPr id="35" name="テキスト ボックス 34">
+            <a:extLst>
+              <a:ext uri="{FF2B5EF4-FFF2-40B4-BE49-F238E27FC236}">
+                <a16:creationId xmlns:a16="http://schemas.microsoft.com/office/drawing/2014/main" id="{7AACD99C-804B-7F91-04A4-6C95858AF0CF}"/>
               </a:ext>
             </a:extLst>
           </p:cNvPr>
@@ -8296,17 +8467,14 @@
         </p:nvSpPr>
         <p:spPr>
           <a:xfrm>
-            <a:off x="3644115" y="5909437"/>
-            <a:ext cx="1003144" cy="400110"/>
+            <a:off x="2063020" y="4992668"/>
+            <a:ext cx="870386" cy="230832"/>
           </a:xfrm>
           <a:prstGeom prst="rect">
             <a:avLst/>
           </a:prstGeom>
           <a:solidFill>
-            <a:schemeClr val="accent5">
-              <a:lumMod val="20000"/>
-              <a:lumOff val="80000"/>
-            </a:schemeClr>
+            <a:schemeClr val="bg1"/>
           </a:solidFill>
         </p:spPr>
         <p:txBody>
@@ -8316,18 +8484,38 @@
           <a:lstStyle/>
           <a:p>
             <a:r>
-              <a:rPr lang="en-US" altLang="ja-JP" sz="1000" dirty="0"/>
-              <a:t>Div class form button</a:t>
-            </a:r>
-          </a:p>
-        </p:txBody>
-      </p:sp>
-      <p:sp>
-        <p:nvSpPr>
-          <p:cNvPr id="35" name="テキスト ボックス 34">
-            <a:extLst>
-              <a:ext uri="{FF2B5EF4-FFF2-40B4-BE49-F238E27FC236}">
-                <a16:creationId xmlns:a16="http://schemas.microsoft.com/office/drawing/2014/main" id="{7AACD99C-804B-7F91-04A4-6C95858AF0CF}"/>
+              <a:rPr lang="en-US" altLang="ja-JP" sz="900" b="1" dirty="0">
+                <a:solidFill>
+                  <a:srgbClr val="FF0000"/>
+                </a:solidFill>
+              </a:rPr>
+              <a:t>&lt;</a:t>
+            </a:r>
+            <a:r>
+              <a:rPr lang="en-US" altLang="ja-JP" sz="900" b="1" dirty="0" err="1">
+                <a:solidFill>
+                  <a:srgbClr val="FF0000"/>
+                </a:solidFill>
+              </a:rPr>
+              <a:t>ul</a:t>
+            </a:r>
+            <a:r>
+              <a:rPr lang="en-US" altLang="ja-JP" sz="900" b="1" dirty="0">
+                <a:solidFill>
+                  <a:srgbClr val="FF0000"/>
+                </a:solidFill>
+              </a:rPr>
+              <a:t>&gt;&lt;li&gt;</a:t>
+            </a:r>
+          </a:p>
+        </p:txBody>
+      </p:sp>
+      <p:sp>
+        <p:nvSpPr>
+          <p:cNvPr id="36" name="テキスト ボックス 35">
+            <a:extLst>
+              <a:ext uri="{FF2B5EF4-FFF2-40B4-BE49-F238E27FC236}">
+                <a16:creationId xmlns:a16="http://schemas.microsoft.com/office/drawing/2014/main" id="{33DB8282-C47E-7421-3086-7E9BB2EBE128}"/>
               </a:ext>
             </a:extLst>
           </p:cNvPr>
@@ -8336,7 +8524,7 @@
         </p:nvSpPr>
         <p:spPr>
           <a:xfrm>
-            <a:off x="2063020" y="4992668"/>
+            <a:off x="1957922" y="1777694"/>
             <a:ext cx="870386" cy="230832"/>
           </a:xfrm>
           <a:prstGeom prst="rect">
@@ -8381,10 +8569,10 @@
       </p:sp>
       <p:sp>
         <p:nvSpPr>
-          <p:cNvPr id="36" name="テキスト ボックス 35">
-            <a:extLst>
-              <a:ext uri="{FF2B5EF4-FFF2-40B4-BE49-F238E27FC236}">
-                <a16:creationId xmlns:a16="http://schemas.microsoft.com/office/drawing/2014/main" id="{33DB8282-C47E-7421-3086-7E9BB2EBE128}"/>
+          <p:cNvPr id="37" name="テキスト ボックス 36">
+            <a:extLst>
+              <a:ext uri="{FF2B5EF4-FFF2-40B4-BE49-F238E27FC236}">
+                <a16:creationId xmlns:a16="http://schemas.microsoft.com/office/drawing/2014/main" id="{713791B7-FD50-F443-E31A-4406EF5B95B0}"/>
               </a:ext>
             </a:extLst>
           </p:cNvPr>
@@ -8393,7 +8581,7 @@
         </p:nvSpPr>
         <p:spPr>
           <a:xfrm>
-            <a:off x="1957922" y="1777694"/>
+            <a:off x="1915880" y="2692094"/>
             <a:ext cx="870386" cy="230832"/>
           </a:xfrm>
           <a:prstGeom prst="rect">
@@ -8438,10 +8626,10 @@
       </p:sp>
       <p:sp>
         <p:nvSpPr>
-          <p:cNvPr id="37" name="テキスト ボックス 36">
-            <a:extLst>
-              <a:ext uri="{FF2B5EF4-FFF2-40B4-BE49-F238E27FC236}">
-                <a16:creationId xmlns:a16="http://schemas.microsoft.com/office/drawing/2014/main" id="{713791B7-FD50-F443-E31A-4406EF5B95B0}"/>
+          <p:cNvPr id="38" name="テキスト ボックス 37">
+            <a:extLst>
+              <a:ext uri="{FF2B5EF4-FFF2-40B4-BE49-F238E27FC236}">
+                <a16:creationId xmlns:a16="http://schemas.microsoft.com/office/drawing/2014/main" id="{84081D1E-2DB9-171F-C5F4-67B26A968B4F}"/>
               </a:ext>
             </a:extLst>
           </p:cNvPr>
@@ -8450,7 +8638,7 @@
         </p:nvSpPr>
         <p:spPr>
           <a:xfrm>
-            <a:off x="1915880" y="2692094"/>
+            <a:off x="8079421" y="1093826"/>
             <a:ext cx="870386" cy="230832"/>
           </a:xfrm>
           <a:prstGeom prst="rect">
@@ -8480,7 +8668,7 @@
                   <a:srgbClr val="FF0000"/>
                 </a:solidFill>
               </a:rPr>
-              <a:t>ul</a:t>
+              <a:t>img</a:t>
             </a:r>
             <a:r>
               <a:rPr lang="en-US" altLang="ja-JP" sz="900" b="1" dirty="0">
@@ -8488,63 +8676,6 @@
                   <a:srgbClr val="FF0000"/>
                 </a:solidFill>
               </a:rPr>
-              <a:t>&gt;&lt;li&gt;</a:t>
-            </a:r>
-          </a:p>
-        </p:txBody>
-      </p:sp>
-      <p:sp>
-        <p:nvSpPr>
-          <p:cNvPr id="38" name="テキスト ボックス 37">
-            <a:extLst>
-              <a:ext uri="{FF2B5EF4-FFF2-40B4-BE49-F238E27FC236}">
-                <a16:creationId xmlns:a16="http://schemas.microsoft.com/office/drawing/2014/main" id="{84081D1E-2DB9-171F-C5F4-67B26A968B4F}"/>
-              </a:ext>
-            </a:extLst>
-          </p:cNvPr>
-          <p:cNvSpPr txBox="1"/>
-          <p:nvPr/>
-        </p:nvSpPr>
-        <p:spPr>
-          <a:xfrm>
-            <a:off x="8079421" y="1093826"/>
-            <a:ext cx="870386" cy="230832"/>
-          </a:xfrm>
-          <a:prstGeom prst="rect">
-            <a:avLst/>
-          </a:prstGeom>
-          <a:solidFill>
-            <a:schemeClr val="bg1"/>
-          </a:solidFill>
-        </p:spPr>
-        <p:txBody>
-          <a:bodyPr wrap="square" rtlCol="0">
-            <a:spAutoFit/>
-          </a:bodyPr>
-          <a:lstStyle/>
-          <a:p>
-            <a:r>
-              <a:rPr lang="en-US" altLang="ja-JP" sz="900" b="1" dirty="0">
-                <a:solidFill>
-                  <a:srgbClr val="FF0000"/>
-                </a:solidFill>
-              </a:rPr>
-              <a:t>&lt;</a:t>
-            </a:r>
-            <a:r>
-              <a:rPr lang="en-US" altLang="ja-JP" sz="900" b="1" dirty="0" err="1">
-                <a:solidFill>
-                  <a:srgbClr val="FF0000"/>
-                </a:solidFill>
-              </a:rPr>
-              <a:t>img</a:t>
-            </a:r>
-            <a:r>
-              <a:rPr lang="en-US" altLang="ja-JP" sz="900" b="1" dirty="0">
-                <a:solidFill>
-                  <a:srgbClr val="FF0000"/>
-                </a:solidFill>
-              </a:rPr>
               <a:t>&gt;</a:t>
             </a:r>
           </a:p>
@@ -8552,10 +8683,10 @@
       </p:sp>
       <p:sp>
         <p:nvSpPr>
-          <p:cNvPr id="39" name="角丸四角形 38">
-            <a:extLst>
-              <a:ext uri="{FF2B5EF4-FFF2-40B4-BE49-F238E27FC236}">
-                <a16:creationId xmlns:a16="http://schemas.microsoft.com/office/drawing/2014/main" id="{15605A79-01F6-C9BD-511A-AA9E98C2CBE0}"/>
+          <p:cNvPr id="40" name="角丸四角形 39">
+            <a:extLst>
+              <a:ext uri="{FF2B5EF4-FFF2-40B4-BE49-F238E27FC236}">
+                <a16:creationId xmlns:a16="http://schemas.microsoft.com/office/drawing/2014/main" id="{F39DF382-961A-DAF7-1E2C-29C5DF938806}"/>
               </a:ext>
             </a:extLst>
           </p:cNvPr>
@@ -8564,8 +8695,8 @@
         </p:nvSpPr>
         <p:spPr>
           <a:xfrm>
-            <a:off x="2052243" y="3669488"/>
-            <a:ext cx="599898" cy="221082"/>
+            <a:off x="1993269" y="3698680"/>
+            <a:ext cx="814017" cy="288746"/>
           </a:xfrm>
           <a:prstGeom prst="roundRect">
             <a:avLst/>
@@ -8594,7 +8725,7 @@
             <a:pPr algn="ctr"/>
             <a:r>
               <a:rPr kumimoji="1" lang="en-US" altLang="ja-JP" sz="1200" dirty="0"/>
-              <a:t>flex</a:t>
+              <a:t>PC: flex</a:t>
             </a:r>
             <a:endParaRPr kumimoji="1" lang="ja-JP" altLang="en-US" sz="1200"/>
           </a:p>
@@ -8602,10 +8733,10 @@
       </p:sp>
       <p:sp>
         <p:nvSpPr>
-          <p:cNvPr id="40" name="角丸四角形 39">
-            <a:extLst>
-              <a:ext uri="{FF2B5EF4-FFF2-40B4-BE49-F238E27FC236}">
-                <a16:creationId xmlns:a16="http://schemas.microsoft.com/office/drawing/2014/main" id="{F39DF382-961A-DAF7-1E2C-29C5DF938806}"/>
+          <p:cNvPr id="42" name="四角形吹き出し 41">
+            <a:extLst>
+              <a:ext uri="{FF2B5EF4-FFF2-40B4-BE49-F238E27FC236}">
+                <a16:creationId xmlns:a16="http://schemas.microsoft.com/office/drawing/2014/main" id="{8F94258A-D9B2-D2AB-6B5C-E6C403832ECE}"/>
               </a:ext>
             </a:extLst>
           </p:cNvPr>
@@ -8613,13 +8744,22 @@
           <p:nvPr/>
         </p:nvSpPr>
         <p:spPr>
-          <a:xfrm>
-            <a:off x="8663250" y="3364688"/>
-            <a:ext cx="599898" cy="221082"/>
-          </a:xfrm>
-          <a:prstGeom prst="roundRect">
-            <a:avLst/>
-          </a:prstGeom>
+          <a:xfrm flipH="1">
+            <a:off x="6891673" y="3602577"/>
+            <a:ext cx="1225214" cy="295951"/>
+          </a:xfrm>
+          <a:prstGeom prst="wedgeRectCallout">
+            <a:avLst>
+              <a:gd name="adj1" fmla="val -95472"/>
+              <a:gd name="adj2" fmla="val 5163"/>
+            </a:avLst>
+          </a:prstGeom>
+          <a:solidFill>
+            <a:schemeClr val="accent2">
+              <a:lumMod val="20000"/>
+              <a:lumOff val="80000"/>
+            </a:schemeClr>
+          </a:solidFill>
         </p:spPr>
         <p:style>
           <a:lnRef idx="2">
@@ -8643,19 +8783,51 @@
           <a:p>
             <a:pPr algn="ctr"/>
             <a:r>
-              <a:rPr kumimoji="1" lang="en-US" altLang="ja-JP" sz="1200" dirty="0"/>
-              <a:t>flex</a:t>
-            </a:r>
-            <a:endParaRPr kumimoji="1" lang="ja-JP" altLang="en-US" sz="1200"/>
-          </a:p>
-        </p:txBody>
-      </p:sp>
-      <p:sp>
-        <p:nvSpPr>
-          <p:cNvPr id="42" name="四角形吹き出し 41">
-            <a:extLst>
-              <a:ext uri="{FF2B5EF4-FFF2-40B4-BE49-F238E27FC236}">
-                <a16:creationId xmlns:a16="http://schemas.microsoft.com/office/drawing/2014/main" id="{8F94258A-D9B2-D2AB-6B5C-E6C403832ECE}"/>
+              <a:rPr lang="en-US" altLang="ja-JP" sz="800" b="0" dirty="0" err="1">
+                <a:solidFill>
+                  <a:srgbClr val="CE9178"/>
+                </a:solidFill>
+                <a:effectLst/>
+                <a:latin typeface="Menlo" panose="020B0609030804020204" pitchFamily="49" charset="0"/>
+              </a:rPr>
+              <a:t>img</a:t>
+            </a:r>
+            <a:r>
+              <a:rPr lang="en-US" altLang="ja-JP" sz="800" b="0" dirty="0">
+                <a:solidFill>
+                  <a:srgbClr val="CE9178"/>
+                </a:solidFill>
+                <a:effectLst/>
+                <a:latin typeface="Menlo" panose="020B0609030804020204" pitchFamily="49" charset="0"/>
+              </a:rPr>
+              <a:t>/</a:t>
+            </a:r>
+            <a:r>
+              <a:rPr lang="en-US" altLang="ja-JP" sz="800" b="0" dirty="0" err="1">
+                <a:solidFill>
+                  <a:srgbClr val="CE9178"/>
+                </a:solidFill>
+                <a:effectLst/>
+                <a:latin typeface="Menlo" panose="020B0609030804020204" pitchFamily="49" charset="0"/>
+              </a:rPr>
+              <a:t>logo.svg</a:t>
+            </a:r>
+            <a:endParaRPr lang="en-US" altLang="ja-JP" sz="800" b="0" dirty="0">
+              <a:solidFill>
+                <a:srgbClr val="CCCCCC"/>
+              </a:solidFill>
+              <a:effectLst/>
+              <a:latin typeface="Menlo" panose="020B0609030804020204" pitchFamily="49" charset="0"/>
+            </a:endParaRPr>
+          </a:p>
+        </p:txBody>
+      </p:sp>
+      <p:sp>
+        <p:nvSpPr>
+          <p:cNvPr id="43" name="正方形/長方形 42">
+            <a:extLst>
+              <a:ext uri="{FF2B5EF4-FFF2-40B4-BE49-F238E27FC236}">
+                <a16:creationId xmlns:a16="http://schemas.microsoft.com/office/drawing/2014/main" id="{36AE7FFB-E6F9-2CCF-2A35-3027F699BF45}"/>
               </a:ext>
             </a:extLst>
           </p:cNvPr>
@@ -8663,22 +8835,19 @@
           <p:nvPr/>
         </p:nvSpPr>
         <p:spPr>
-          <a:xfrm flipH="1">
-            <a:off x="6891673" y="3602577"/>
-            <a:ext cx="1225214" cy="295951"/>
-          </a:xfrm>
-          <a:prstGeom prst="wedgeRectCallout">
-            <a:avLst>
-              <a:gd name="adj1" fmla="val -95472"/>
-              <a:gd name="adj2" fmla="val 5163"/>
-            </a:avLst>
-          </a:prstGeom>
-          <a:solidFill>
-            <a:schemeClr val="accent2">
-              <a:lumMod val="20000"/>
-              <a:lumOff val="80000"/>
-            </a:schemeClr>
-          </a:solidFill>
+          <a:xfrm>
+            <a:off x="7814498" y="3935579"/>
+            <a:ext cx="1077854" cy="269231"/>
+          </a:xfrm>
+          <a:prstGeom prst="rect">
+            <a:avLst/>
+          </a:prstGeom>
+          <a:noFill/>
+          <a:ln>
+            <a:solidFill>
+              <a:srgbClr val="FF0000"/>
+            </a:solidFill>
+          </a:ln>
         </p:spPr>
         <p:style>
           <a:lnRef idx="2">
@@ -8701,35 +8870,521 @@
           <a:lstStyle/>
           <a:p>
             <a:pPr algn="ctr"/>
-            <a:r>
-              <a:rPr lang="en-US" altLang="ja-JP" sz="800" b="0" dirty="0" err="1">
+            <a:endParaRPr kumimoji="1" lang="ja-JP" altLang="en-US"/>
+          </a:p>
+        </p:txBody>
+      </p:sp>
+      <p:sp>
+        <p:nvSpPr>
+          <p:cNvPr id="44" name="テキスト ボックス 43">
+            <a:extLst>
+              <a:ext uri="{FF2B5EF4-FFF2-40B4-BE49-F238E27FC236}">
+                <a16:creationId xmlns:a16="http://schemas.microsoft.com/office/drawing/2014/main" id="{ACB91253-A07D-25A4-AFD9-EB12F8F31705}"/>
+              </a:ext>
+            </a:extLst>
+          </p:cNvPr>
+          <p:cNvSpPr txBox="1"/>
+          <p:nvPr/>
+        </p:nvSpPr>
+        <p:spPr>
+          <a:xfrm>
+            <a:off x="8949807" y="3935579"/>
+            <a:ext cx="1226618" cy="400110"/>
+          </a:xfrm>
+          <a:prstGeom prst="rect">
+            <a:avLst/>
+          </a:prstGeom>
+          <a:solidFill>
+            <a:srgbClr val="00B0F0"/>
+          </a:solidFill>
+        </p:spPr>
+        <p:txBody>
+          <a:bodyPr wrap="none" rtlCol="0">
+            <a:spAutoFit/>
+          </a:bodyPr>
+          <a:lstStyle/>
+          <a:p>
+            <a:r>
+              <a:rPr lang="en-US" altLang="ja-JP" sz="1000" dirty="0"/>
+              <a:t>&lt;h2&gt;</a:t>
+            </a:r>
+          </a:p>
+          <a:p>
+            <a:r>
+              <a:rPr lang="en-US" altLang="ja-JP" sz="1000" dirty="0"/>
+              <a:t>class=</a:t>
+            </a:r>
+            <a:r>
+              <a:rPr lang="en-US" altLang="ja-JP" sz="1000" dirty="0" err="1"/>
+              <a:t>footer_title</a:t>
+            </a:r>
+            <a:endParaRPr lang="en-US" altLang="ja-JP" sz="1000" dirty="0"/>
+          </a:p>
+        </p:txBody>
+      </p:sp>
+      <p:sp>
+        <p:nvSpPr>
+          <p:cNvPr id="45" name="正方形/長方形 44">
+            <a:extLst>
+              <a:ext uri="{FF2B5EF4-FFF2-40B4-BE49-F238E27FC236}">
+                <a16:creationId xmlns:a16="http://schemas.microsoft.com/office/drawing/2014/main" id="{2CEDB320-E227-37F6-6024-51299B5A73F6}"/>
+              </a:ext>
+            </a:extLst>
+          </p:cNvPr>
+          <p:cNvSpPr/>
+          <p:nvPr/>
+        </p:nvSpPr>
+        <p:spPr>
+          <a:xfrm>
+            <a:off x="7941472" y="5014730"/>
+            <a:ext cx="1321675" cy="269231"/>
+          </a:xfrm>
+          <a:prstGeom prst="rect">
+            <a:avLst/>
+          </a:prstGeom>
+          <a:noFill/>
+          <a:ln>
+            <a:solidFill>
+              <a:srgbClr val="FF0000"/>
+            </a:solidFill>
+          </a:ln>
+        </p:spPr>
+        <p:style>
+          <a:lnRef idx="2">
+            <a:schemeClr val="accent1">
+              <a:shade val="15000"/>
+            </a:schemeClr>
+          </a:lnRef>
+          <a:fillRef idx="1">
+            <a:schemeClr val="accent1"/>
+          </a:fillRef>
+          <a:effectRef idx="0">
+            <a:schemeClr val="accent1"/>
+          </a:effectRef>
+          <a:fontRef idx="minor">
+            <a:schemeClr val="lt1"/>
+          </a:fontRef>
+        </p:style>
+        <p:txBody>
+          <a:bodyPr rtlCol="0" anchor="ctr"/>
+          <a:lstStyle/>
+          <a:p>
+            <a:pPr algn="ctr"/>
+            <a:endParaRPr kumimoji="1" lang="ja-JP" altLang="en-US"/>
+          </a:p>
+        </p:txBody>
+      </p:sp>
+      <p:sp>
+        <p:nvSpPr>
+          <p:cNvPr id="46" name="テキスト ボックス 45">
+            <a:extLst>
+              <a:ext uri="{FF2B5EF4-FFF2-40B4-BE49-F238E27FC236}">
+                <a16:creationId xmlns:a16="http://schemas.microsoft.com/office/drawing/2014/main" id="{D43EE22F-E580-ADE9-71E8-2D7FF2D18A8F}"/>
+              </a:ext>
+            </a:extLst>
+          </p:cNvPr>
+          <p:cNvSpPr txBox="1"/>
+          <p:nvPr/>
+        </p:nvSpPr>
+        <p:spPr>
+          <a:xfrm>
+            <a:off x="9216814" y="4863324"/>
+            <a:ext cx="1226618" cy="400110"/>
+          </a:xfrm>
+          <a:prstGeom prst="rect">
+            <a:avLst/>
+          </a:prstGeom>
+          <a:solidFill>
+            <a:srgbClr val="00B0F0"/>
+          </a:solidFill>
+        </p:spPr>
+        <p:txBody>
+          <a:bodyPr wrap="none" rtlCol="0">
+            <a:spAutoFit/>
+          </a:bodyPr>
+          <a:lstStyle/>
+          <a:p>
+            <a:r>
+              <a:rPr lang="en-US" altLang="ja-JP" sz="1000" dirty="0"/>
+              <a:t>&lt;h2&gt;</a:t>
+            </a:r>
+          </a:p>
+          <a:p>
+            <a:r>
+              <a:rPr lang="en-US" altLang="ja-JP" sz="1000" dirty="0"/>
+              <a:t>class=</a:t>
+            </a:r>
+            <a:r>
+              <a:rPr lang="en-US" altLang="ja-JP" sz="1000" dirty="0" err="1"/>
+              <a:t>footer_title</a:t>
+            </a:r>
+            <a:endParaRPr lang="en-US" altLang="ja-JP" sz="1000" dirty="0"/>
+          </a:p>
+        </p:txBody>
+      </p:sp>
+      <p:sp>
+        <p:nvSpPr>
+          <p:cNvPr id="47" name="テキスト ボックス 46">
+            <a:extLst>
+              <a:ext uri="{FF2B5EF4-FFF2-40B4-BE49-F238E27FC236}">
+                <a16:creationId xmlns:a16="http://schemas.microsoft.com/office/drawing/2014/main" id="{B34C27DB-A378-C5B1-62BB-27E6BF00001F}"/>
+              </a:ext>
+            </a:extLst>
+          </p:cNvPr>
+          <p:cNvSpPr txBox="1"/>
+          <p:nvPr/>
+        </p:nvSpPr>
+        <p:spPr>
+          <a:xfrm>
+            <a:off x="7959328" y="4468342"/>
+            <a:ext cx="870386" cy="230832"/>
+          </a:xfrm>
+          <a:prstGeom prst="rect">
+            <a:avLst/>
+          </a:prstGeom>
+          <a:solidFill>
+            <a:schemeClr val="bg1"/>
+          </a:solidFill>
+        </p:spPr>
+        <p:txBody>
+          <a:bodyPr wrap="square" rtlCol="0">
+            <a:spAutoFit/>
+          </a:bodyPr>
+          <a:lstStyle/>
+          <a:p>
+            <a:r>
+              <a:rPr lang="en-US" altLang="ja-JP" sz="900" b="1" dirty="0">
+                <a:solidFill>
+                  <a:srgbClr val="FF0000"/>
+                </a:solidFill>
+              </a:rPr>
+              <a:t>&lt;</a:t>
+            </a:r>
+            <a:r>
+              <a:rPr lang="en-US" altLang="ja-JP" sz="900" b="1" dirty="0" err="1">
+                <a:solidFill>
+                  <a:srgbClr val="FF0000"/>
+                </a:solidFill>
+              </a:rPr>
+              <a:t>ul</a:t>
+            </a:r>
+            <a:r>
+              <a:rPr lang="en-US" altLang="ja-JP" sz="900" b="1" dirty="0">
+                <a:solidFill>
+                  <a:srgbClr val="FF0000"/>
+                </a:solidFill>
+              </a:rPr>
+              <a:t>&gt;&lt;li&gt;</a:t>
+            </a:r>
+          </a:p>
+        </p:txBody>
+      </p:sp>
+      <p:sp>
+        <p:nvSpPr>
+          <p:cNvPr id="48" name="テキスト ボックス 47">
+            <a:extLst>
+              <a:ext uri="{FF2B5EF4-FFF2-40B4-BE49-F238E27FC236}">
+                <a16:creationId xmlns:a16="http://schemas.microsoft.com/office/drawing/2014/main" id="{CE207979-DF4B-E552-CBC7-7263C33DD67B}"/>
+              </a:ext>
+            </a:extLst>
+          </p:cNvPr>
+          <p:cNvSpPr txBox="1"/>
+          <p:nvPr/>
+        </p:nvSpPr>
+        <p:spPr>
+          <a:xfrm>
+            <a:off x="7980349" y="5666521"/>
+            <a:ext cx="870386" cy="230832"/>
+          </a:xfrm>
+          <a:prstGeom prst="rect">
+            <a:avLst/>
+          </a:prstGeom>
+          <a:solidFill>
+            <a:schemeClr val="bg1"/>
+          </a:solidFill>
+        </p:spPr>
+        <p:txBody>
+          <a:bodyPr wrap="square" rtlCol="0">
+            <a:spAutoFit/>
+          </a:bodyPr>
+          <a:lstStyle/>
+          <a:p>
+            <a:r>
+              <a:rPr lang="en-US" altLang="ja-JP" sz="900" b="1" dirty="0">
+                <a:solidFill>
+                  <a:srgbClr val="FF0000"/>
+                </a:solidFill>
+              </a:rPr>
+              <a:t>&lt;p&gt;</a:t>
+            </a:r>
+          </a:p>
+        </p:txBody>
+      </p:sp>
+      <p:sp>
+        <p:nvSpPr>
+          <p:cNvPr id="49" name="テキスト ボックス 48">
+            <a:extLst>
+              <a:ext uri="{FF2B5EF4-FFF2-40B4-BE49-F238E27FC236}">
+                <a16:creationId xmlns:a16="http://schemas.microsoft.com/office/drawing/2014/main" id="{B30C4600-EDFD-BBA6-0A05-9FBDCA3058D3}"/>
+              </a:ext>
+            </a:extLst>
+          </p:cNvPr>
+          <p:cNvSpPr txBox="1"/>
+          <p:nvPr/>
+        </p:nvSpPr>
+        <p:spPr>
+          <a:xfrm>
+            <a:off x="9210060" y="6370714"/>
+            <a:ext cx="870386" cy="230832"/>
+          </a:xfrm>
+          <a:prstGeom prst="rect">
+            <a:avLst/>
+          </a:prstGeom>
+          <a:solidFill>
+            <a:schemeClr val="bg1"/>
+          </a:solidFill>
+        </p:spPr>
+        <p:txBody>
+          <a:bodyPr wrap="square" rtlCol="0">
+            <a:spAutoFit/>
+          </a:bodyPr>
+          <a:lstStyle/>
+          <a:p>
+            <a:r>
+              <a:rPr lang="en-US" altLang="ja-JP" sz="900" b="1" dirty="0">
+                <a:solidFill>
+                  <a:srgbClr val="FF0000"/>
+                </a:solidFill>
+              </a:rPr>
+              <a:t>&lt;p&gt;</a:t>
+            </a:r>
+          </a:p>
+        </p:txBody>
+      </p:sp>
+      <p:sp>
+        <p:nvSpPr>
+          <p:cNvPr id="50" name="テキスト ボックス 49">
+            <a:extLst>
+              <a:ext uri="{FF2B5EF4-FFF2-40B4-BE49-F238E27FC236}">
+                <a16:creationId xmlns:a16="http://schemas.microsoft.com/office/drawing/2014/main" id="{D13A7F7A-9931-CE8B-D67D-BE5F89708835}"/>
+              </a:ext>
+            </a:extLst>
+          </p:cNvPr>
+          <p:cNvSpPr txBox="1"/>
+          <p:nvPr/>
+        </p:nvSpPr>
+        <p:spPr>
+          <a:xfrm>
+            <a:off x="9331879" y="3713954"/>
+            <a:ext cx="565969" cy="230832"/>
+          </a:xfrm>
+          <a:prstGeom prst="rect">
+            <a:avLst/>
+          </a:prstGeom>
+          <a:solidFill>
+            <a:schemeClr val="bg1"/>
+          </a:solidFill>
+        </p:spPr>
+        <p:txBody>
+          <a:bodyPr wrap="square" rtlCol="0">
+            <a:spAutoFit/>
+          </a:bodyPr>
+          <a:lstStyle/>
+          <a:p>
+            <a:r>
+              <a:rPr lang="en-US" altLang="ja-JP" sz="900" b="1" dirty="0">
+                <a:solidFill>
+                  <a:srgbClr val="FF0000"/>
+                </a:solidFill>
+              </a:rPr>
+              <a:t>&lt;</a:t>
+            </a:r>
+            <a:r>
+              <a:rPr lang="en-US" altLang="ja-JP" sz="900" b="1" dirty="0" err="1">
+                <a:solidFill>
+                  <a:srgbClr val="FF0000"/>
+                </a:solidFill>
+              </a:rPr>
+              <a:t>img</a:t>
+            </a:r>
+            <a:r>
+              <a:rPr lang="en-US" altLang="ja-JP" sz="900" b="1" dirty="0">
+                <a:solidFill>
+                  <a:srgbClr val="FF0000"/>
+                </a:solidFill>
+              </a:rPr>
+              <a:t>&gt;</a:t>
+            </a:r>
+          </a:p>
+        </p:txBody>
+      </p:sp>
+      <p:sp>
+        <p:nvSpPr>
+          <p:cNvPr id="52" name="正方形/長方形 51">
+            <a:extLst>
+              <a:ext uri="{FF2B5EF4-FFF2-40B4-BE49-F238E27FC236}">
+                <a16:creationId xmlns:a16="http://schemas.microsoft.com/office/drawing/2014/main" id="{32997107-8751-42D4-908C-88BD4A23FB01}"/>
+              </a:ext>
+            </a:extLst>
+          </p:cNvPr>
+          <p:cNvSpPr/>
+          <p:nvPr/>
+        </p:nvSpPr>
+        <p:spPr>
+          <a:xfrm>
+            <a:off x="8592538" y="3580357"/>
+            <a:ext cx="1409939" cy="371060"/>
+          </a:xfrm>
+          <a:prstGeom prst="rect">
+            <a:avLst/>
+          </a:prstGeom>
+          <a:noFill/>
+          <a:ln>
+            <a:solidFill>
+              <a:srgbClr val="FF0000"/>
+            </a:solidFill>
+          </a:ln>
+        </p:spPr>
+        <p:style>
+          <a:lnRef idx="2">
+            <a:schemeClr val="accent1">
+              <a:shade val="15000"/>
+            </a:schemeClr>
+          </a:lnRef>
+          <a:fillRef idx="1">
+            <a:schemeClr val="accent1"/>
+          </a:fillRef>
+          <a:effectRef idx="0">
+            <a:schemeClr val="accent1"/>
+          </a:effectRef>
+          <a:fontRef idx="minor">
+            <a:schemeClr val="lt1"/>
+          </a:fontRef>
+        </p:style>
+        <p:txBody>
+          <a:bodyPr rtlCol="0" anchor="ctr"/>
+          <a:lstStyle/>
+          <a:p>
+            <a:pPr algn="ctr"/>
+            <a:endParaRPr kumimoji="1" lang="ja-JP" altLang="en-US"/>
+          </a:p>
+        </p:txBody>
+      </p:sp>
+      <p:sp>
+        <p:nvSpPr>
+          <p:cNvPr id="53" name="テキスト ボックス 52">
+            <a:extLst>
+              <a:ext uri="{FF2B5EF4-FFF2-40B4-BE49-F238E27FC236}">
+                <a16:creationId xmlns:a16="http://schemas.microsoft.com/office/drawing/2014/main" id="{3C908AB9-C14A-D3D3-15BE-E767097E18DA}"/>
+              </a:ext>
+            </a:extLst>
+          </p:cNvPr>
+          <p:cNvSpPr txBox="1"/>
+          <p:nvPr/>
+        </p:nvSpPr>
+        <p:spPr>
+          <a:xfrm>
+            <a:off x="9200956" y="3300190"/>
+            <a:ext cx="1003144" cy="400110"/>
+          </a:xfrm>
+          <a:prstGeom prst="rect">
+            <a:avLst/>
+          </a:prstGeom>
+          <a:solidFill>
+            <a:schemeClr val="accent5">
+              <a:lumMod val="20000"/>
+              <a:lumOff val="80000"/>
+            </a:schemeClr>
+          </a:solidFill>
+        </p:spPr>
+        <p:txBody>
+          <a:bodyPr wrap="square" rtlCol="0">
+            <a:spAutoFit/>
+          </a:bodyPr>
+          <a:lstStyle/>
+          <a:p>
+            <a:r>
+              <a:rPr lang="en-US" altLang="ja-JP" sz="1000" dirty="0"/>
+              <a:t>Div class </a:t>
+            </a:r>
+          </a:p>
+          <a:p>
+            <a:r>
+              <a:rPr lang="en-US" altLang="ja-JP" sz="1000" dirty="0" err="1"/>
+              <a:t>footerlogo</a:t>
+            </a:r>
+            <a:endParaRPr lang="en-US" altLang="ja-JP" sz="1000" dirty="0"/>
+          </a:p>
+        </p:txBody>
+      </p:sp>
+      <p:sp>
+        <p:nvSpPr>
+          <p:cNvPr id="54" name="四角形吹き出し 53">
+            <a:extLst>
+              <a:ext uri="{FF2B5EF4-FFF2-40B4-BE49-F238E27FC236}">
+                <a16:creationId xmlns:a16="http://schemas.microsoft.com/office/drawing/2014/main" id="{385BF376-3620-B008-7DD9-A1B74206D5A6}"/>
+              </a:ext>
+            </a:extLst>
+          </p:cNvPr>
+          <p:cNvSpPr/>
+          <p:nvPr/>
+        </p:nvSpPr>
+        <p:spPr>
+          <a:xfrm>
+            <a:off x="8831578" y="2470079"/>
+            <a:ext cx="1150487" cy="295951"/>
+          </a:xfrm>
+          <a:prstGeom prst="wedgeRectCallout">
+            <a:avLst>
+              <a:gd name="adj1" fmla="val -64562"/>
+              <a:gd name="adj2" fmla="val 25528"/>
+            </a:avLst>
+          </a:prstGeom>
+          <a:solidFill>
+            <a:schemeClr val="accent2">
+              <a:lumMod val="20000"/>
+              <a:lumOff val="80000"/>
+            </a:schemeClr>
+          </a:solidFill>
+        </p:spPr>
+        <p:style>
+          <a:lnRef idx="2">
+            <a:schemeClr val="accent1">
+              <a:shade val="15000"/>
+            </a:schemeClr>
+          </a:lnRef>
+          <a:fillRef idx="1">
+            <a:schemeClr val="accent1"/>
+          </a:fillRef>
+          <a:effectRef idx="0">
+            <a:schemeClr val="accent1"/>
+          </a:effectRef>
+          <a:fontRef idx="minor">
+            <a:schemeClr val="lt1"/>
+          </a:fontRef>
+        </p:style>
+        <p:txBody>
+          <a:bodyPr rtlCol="0" anchor="ctr"/>
+          <a:lstStyle/>
+          <a:p>
+            <a:pPr algn="ctr"/>
+            <a:r>
+              <a:rPr lang="en-US" altLang="ja-JP" sz="800" dirty="0" err="1">
                 <a:solidFill>
                   <a:srgbClr val="CE9178"/>
                 </a:solidFill>
-                <a:effectLst/>
                 <a:latin typeface="Menlo" panose="020B0609030804020204" pitchFamily="49" charset="0"/>
               </a:rPr>
-              <a:t>img</a:t>
-            </a:r>
-            <a:r>
-              <a:rPr lang="en-US" altLang="ja-JP" sz="800" b="0" dirty="0">
+              <a:t>Img</a:t>
+            </a:r>
+            <a:r>
+              <a:rPr lang="en-US" altLang="ja-JP" sz="800" dirty="0">
                 <a:solidFill>
                   <a:srgbClr val="CE9178"/>
                 </a:solidFill>
-                <a:effectLst/>
                 <a:latin typeface="Menlo" panose="020B0609030804020204" pitchFamily="49" charset="0"/>
               </a:rPr>
-              <a:t>/</a:t>
-            </a:r>
-            <a:r>
-              <a:rPr lang="en-US" altLang="ja-JP" sz="800" b="0" dirty="0" err="1">
-                <a:solidFill>
-                  <a:srgbClr val="CE9178"/>
-                </a:solidFill>
-                <a:effectLst/>
-                <a:latin typeface="Menlo" panose="020B0609030804020204" pitchFamily="49" charset="0"/>
-              </a:rPr>
-              <a:t>logo.svg</a:t>
+              <a:t>/antique</a:t>
             </a:r>
             <a:endParaRPr lang="en-US" altLang="ja-JP" sz="800" b="0" dirty="0">
               <a:solidFill>
@@ -8743,10 +9398,51 @@
       </p:sp>
       <p:sp>
         <p:nvSpPr>
-          <p:cNvPr id="43" name="正方形/長方形 42">
-            <a:extLst>
-              <a:ext uri="{FF2B5EF4-FFF2-40B4-BE49-F238E27FC236}">
-                <a16:creationId xmlns:a16="http://schemas.microsoft.com/office/drawing/2014/main" id="{36AE7FFB-E6F9-2CCF-2A35-3027F699BF45}"/>
+          <p:cNvPr id="2" name="テキスト ボックス 1">
+            <a:extLst>
+              <a:ext uri="{FF2B5EF4-FFF2-40B4-BE49-F238E27FC236}">
+                <a16:creationId xmlns:a16="http://schemas.microsoft.com/office/drawing/2014/main" id="{1938E13D-1484-72EB-C701-EBB001A9D196}"/>
+              </a:ext>
+            </a:extLst>
+          </p:cNvPr>
+          <p:cNvSpPr txBox="1"/>
+          <p:nvPr/>
+        </p:nvSpPr>
+        <p:spPr>
+          <a:xfrm>
+            <a:off x="3610420" y="5897353"/>
+            <a:ext cx="1585651" cy="246221"/>
+          </a:xfrm>
+          <a:prstGeom prst="rect">
+            <a:avLst/>
+          </a:prstGeom>
+          <a:solidFill>
+            <a:schemeClr val="bg1"/>
+          </a:solidFill>
+        </p:spPr>
+        <p:txBody>
+          <a:bodyPr wrap="square" rtlCol="0">
+            <a:spAutoFit/>
+          </a:bodyPr>
+          <a:lstStyle/>
+          <a:p>
+            <a:r>
+              <a:rPr lang="en-US" altLang="ja-JP" sz="1000" b="1" dirty="0">
+                <a:solidFill>
+                  <a:srgbClr val="FF0000"/>
+                </a:solidFill>
+              </a:rPr>
+              <a:t>&lt;a class=button&gt;</a:t>
+            </a:r>
+          </a:p>
+        </p:txBody>
+      </p:sp>
+      <p:sp>
+        <p:nvSpPr>
+          <p:cNvPr id="6" name="正方形/長方形 5">
+            <a:extLst>
+              <a:ext uri="{FF2B5EF4-FFF2-40B4-BE49-F238E27FC236}">
+                <a16:creationId xmlns:a16="http://schemas.microsoft.com/office/drawing/2014/main" id="{1E2E0A8D-83CE-6219-EED2-BEA89D837B7A}"/>
               </a:ext>
             </a:extLst>
           </p:cNvPr>
@@ -8755,8 +9451,8 @@
         </p:nvSpPr>
         <p:spPr>
           <a:xfrm>
-            <a:off x="7814498" y="3935579"/>
-            <a:ext cx="1077854" cy="269231"/>
+            <a:off x="7861627" y="3620509"/>
+            <a:ext cx="2378620" cy="2617369"/>
           </a:xfrm>
           <a:prstGeom prst="rect">
             <a:avLst/>
@@ -8795,10 +9491,10 @@
       </p:sp>
       <p:sp>
         <p:nvSpPr>
-          <p:cNvPr id="44" name="テキスト ボックス 43">
-            <a:extLst>
-              <a:ext uri="{FF2B5EF4-FFF2-40B4-BE49-F238E27FC236}">
-                <a16:creationId xmlns:a16="http://schemas.microsoft.com/office/drawing/2014/main" id="{ACB91253-A07D-25A4-AFD9-EB12F8F31705}"/>
+          <p:cNvPr id="12" name="テキスト ボックス 11">
+            <a:extLst>
+              <a:ext uri="{FF2B5EF4-FFF2-40B4-BE49-F238E27FC236}">
+                <a16:creationId xmlns:a16="http://schemas.microsoft.com/office/drawing/2014/main" id="{D19F1710-2A7A-44B5-69CB-3791454A9A0F}"/>
               </a:ext>
             </a:extLst>
           </p:cNvPr>
@@ -8807,46 +9503,55 @@
         </p:nvSpPr>
         <p:spPr>
           <a:xfrm>
-            <a:off x="8949807" y="3935579"/>
-            <a:ext cx="1226618" cy="400110"/>
+            <a:off x="9733701" y="5580097"/>
+            <a:ext cx="709731" cy="861774"/>
           </a:xfrm>
           <a:prstGeom prst="rect">
             <a:avLst/>
           </a:prstGeom>
           <a:solidFill>
-            <a:srgbClr val="00B0F0"/>
+            <a:schemeClr val="accent5">
+              <a:lumMod val="20000"/>
+              <a:lumOff val="80000"/>
+            </a:schemeClr>
           </a:solidFill>
         </p:spPr>
         <p:txBody>
-          <a:bodyPr wrap="none" rtlCol="0">
+          <a:bodyPr wrap="square" rtlCol="0">
             <a:spAutoFit/>
           </a:bodyPr>
           <a:lstStyle/>
           <a:p>
             <a:r>
               <a:rPr lang="en-US" altLang="ja-JP" sz="1000" dirty="0"/>
-              <a:t>&lt;h2&gt;</a:t>
-            </a:r>
-          </a:p>
-          <a:p>
+              <a:t>Div </a:t>
+            </a:r>
+          </a:p>
+          <a:p>
+            <a:r>
+              <a:rPr lang="ja-JP" altLang="en-US" sz="1000"/>
+              <a:t>背景とフレックスのため</a:t>
+            </a:r>
+            <a:endParaRPr lang="en-US" altLang="ja-JP" sz="1000" dirty="0"/>
+          </a:p>
+          <a:p>
+            <a:r>
+              <a:rPr lang="ja-JP" altLang="en-US" sz="1000"/>
+              <a:t>の</a:t>
+            </a:r>
             <a:r>
               <a:rPr lang="en-US" altLang="ja-JP" sz="1000" dirty="0"/>
-              <a:t>class=</a:t>
-            </a:r>
-            <a:r>
-              <a:rPr lang="en-US" altLang="ja-JP" sz="1000" dirty="0" err="1"/>
-              <a:t>footer_title</a:t>
-            </a:r>
-            <a:endParaRPr lang="en-US" altLang="ja-JP" sz="1000" dirty="0"/>
-          </a:p>
-        </p:txBody>
-      </p:sp>
-      <p:sp>
-        <p:nvSpPr>
-          <p:cNvPr id="45" name="正方形/長方形 44">
-            <a:extLst>
-              <a:ext uri="{FF2B5EF4-FFF2-40B4-BE49-F238E27FC236}">
-                <a16:creationId xmlns:a16="http://schemas.microsoft.com/office/drawing/2014/main" id="{2CEDB320-E227-37F6-6024-51299B5A73F6}"/>
+              <a:t>div</a:t>
+            </a:r>
+          </a:p>
+        </p:txBody>
+      </p:sp>
+      <p:sp>
+        <p:nvSpPr>
+          <p:cNvPr id="13" name="角丸四角形 12">
+            <a:extLst>
+              <a:ext uri="{FF2B5EF4-FFF2-40B4-BE49-F238E27FC236}">
+                <a16:creationId xmlns:a16="http://schemas.microsoft.com/office/drawing/2014/main" id="{1D9D7109-8A24-C979-C306-73643F6B823E}"/>
               </a:ext>
             </a:extLst>
           </p:cNvPr>
@@ -8855,18 +9560,12 @@
         </p:nvSpPr>
         <p:spPr>
           <a:xfrm>
-            <a:off x="7941472" y="5014730"/>
-            <a:ext cx="1321675" cy="269231"/>
-          </a:xfrm>
-          <a:prstGeom prst="rect">
-            <a:avLst/>
-          </a:prstGeom>
-          <a:noFill/>
-          <a:ln>
-            <a:solidFill>
-              <a:srgbClr val="FF0000"/>
-            </a:solidFill>
-          </a:ln>
+            <a:off x="9897653" y="3455299"/>
+            <a:ext cx="814017" cy="288746"/>
+          </a:xfrm>
+          <a:prstGeom prst="roundRect">
+            <a:avLst/>
+          </a:prstGeom>
         </p:spPr>
         <p:style>
           <a:lnRef idx="2">
@@ -8889,429 +9588,11 @@
           <a:lstStyle/>
           <a:p>
             <a:pPr algn="ctr"/>
-            <a:endParaRPr kumimoji="1" lang="ja-JP" altLang="en-US"/>
-          </a:p>
-        </p:txBody>
-      </p:sp>
-      <p:sp>
-        <p:nvSpPr>
-          <p:cNvPr id="46" name="テキスト ボックス 45">
-            <a:extLst>
-              <a:ext uri="{FF2B5EF4-FFF2-40B4-BE49-F238E27FC236}">
-                <a16:creationId xmlns:a16="http://schemas.microsoft.com/office/drawing/2014/main" id="{D43EE22F-E580-ADE9-71E8-2D7FF2D18A8F}"/>
-              </a:ext>
-            </a:extLst>
-          </p:cNvPr>
-          <p:cNvSpPr txBox="1"/>
-          <p:nvPr/>
-        </p:nvSpPr>
-        <p:spPr>
-          <a:xfrm>
-            <a:off x="9216814" y="4863324"/>
-            <a:ext cx="1226618" cy="400110"/>
-          </a:xfrm>
-          <a:prstGeom prst="rect">
-            <a:avLst/>
-          </a:prstGeom>
-          <a:solidFill>
-            <a:srgbClr val="00B0F0"/>
-          </a:solidFill>
-        </p:spPr>
-        <p:txBody>
-          <a:bodyPr wrap="none" rtlCol="0">
-            <a:spAutoFit/>
-          </a:bodyPr>
-          <a:lstStyle/>
-          <a:p>
-            <a:r>
-              <a:rPr lang="en-US" altLang="ja-JP" sz="1000" dirty="0"/>
-              <a:t>&lt;h2&gt;</a:t>
-            </a:r>
-          </a:p>
-          <a:p>
-            <a:r>
-              <a:rPr lang="en-US" altLang="ja-JP" sz="1000" dirty="0"/>
-              <a:t>class=</a:t>
-            </a:r>
-            <a:r>
-              <a:rPr lang="en-US" altLang="ja-JP" sz="1000" dirty="0" err="1"/>
-              <a:t>footer_title</a:t>
-            </a:r>
-            <a:endParaRPr lang="en-US" altLang="ja-JP" sz="1000" dirty="0"/>
-          </a:p>
-        </p:txBody>
-      </p:sp>
-      <p:sp>
-        <p:nvSpPr>
-          <p:cNvPr id="47" name="テキスト ボックス 46">
-            <a:extLst>
-              <a:ext uri="{FF2B5EF4-FFF2-40B4-BE49-F238E27FC236}">
-                <a16:creationId xmlns:a16="http://schemas.microsoft.com/office/drawing/2014/main" id="{B34C27DB-A378-C5B1-62BB-27E6BF00001F}"/>
-              </a:ext>
-            </a:extLst>
-          </p:cNvPr>
-          <p:cNvSpPr txBox="1"/>
-          <p:nvPr/>
-        </p:nvSpPr>
-        <p:spPr>
-          <a:xfrm>
-            <a:off x="7959328" y="4468342"/>
-            <a:ext cx="870386" cy="230832"/>
-          </a:xfrm>
-          <a:prstGeom prst="rect">
-            <a:avLst/>
-          </a:prstGeom>
-          <a:solidFill>
-            <a:schemeClr val="bg1"/>
-          </a:solidFill>
-        </p:spPr>
-        <p:txBody>
-          <a:bodyPr wrap="square" rtlCol="0">
-            <a:spAutoFit/>
-          </a:bodyPr>
-          <a:lstStyle/>
-          <a:p>
-            <a:r>
-              <a:rPr lang="en-US" altLang="ja-JP" sz="900" b="1" dirty="0">
-                <a:solidFill>
-                  <a:srgbClr val="FF0000"/>
-                </a:solidFill>
-              </a:rPr>
-              <a:t>&lt;</a:t>
-            </a:r>
-            <a:r>
-              <a:rPr lang="en-US" altLang="ja-JP" sz="900" b="1" dirty="0" err="1">
-                <a:solidFill>
-                  <a:srgbClr val="FF0000"/>
-                </a:solidFill>
-              </a:rPr>
-              <a:t>ul</a:t>
-            </a:r>
-            <a:r>
-              <a:rPr lang="en-US" altLang="ja-JP" sz="900" b="1" dirty="0">
-                <a:solidFill>
-                  <a:srgbClr val="FF0000"/>
-                </a:solidFill>
-              </a:rPr>
-              <a:t>&gt;&lt;li&gt;</a:t>
-            </a:r>
-          </a:p>
-        </p:txBody>
-      </p:sp>
-      <p:sp>
-        <p:nvSpPr>
-          <p:cNvPr id="48" name="テキスト ボックス 47">
-            <a:extLst>
-              <a:ext uri="{FF2B5EF4-FFF2-40B4-BE49-F238E27FC236}">
-                <a16:creationId xmlns:a16="http://schemas.microsoft.com/office/drawing/2014/main" id="{CE207979-DF4B-E552-CBC7-7263C33DD67B}"/>
-              </a:ext>
-            </a:extLst>
-          </p:cNvPr>
-          <p:cNvSpPr txBox="1"/>
-          <p:nvPr/>
-        </p:nvSpPr>
-        <p:spPr>
-          <a:xfrm>
-            <a:off x="7980349" y="5666521"/>
-            <a:ext cx="870386" cy="230832"/>
-          </a:xfrm>
-          <a:prstGeom prst="rect">
-            <a:avLst/>
-          </a:prstGeom>
-          <a:solidFill>
-            <a:schemeClr val="bg1"/>
-          </a:solidFill>
-        </p:spPr>
-        <p:txBody>
-          <a:bodyPr wrap="square" rtlCol="0">
-            <a:spAutoFit/>
-          </a:bodyPr>
-          <a:lstStyle/>
-          <a:p>
-            <a:r>
-              <a:rPr lang="en-US" altLang="ja-JP" sz="900" b="1" dirty="0">
-                <a:solidFill>
-                  <a:srgbClr val="FF0000"/>
-                </a:solidFill>
-              </a:rPr>
-              <a:t>&lt;p&gt;</a:t>
-            </a:r>
-          </a:p>
-        </p:txBody>
-      </p:sp>
-      <p:sp>
-        <p:nvSpPr>
-          <p:cNvPr id="49" name="テキスト ボックス 48">
-            <a:extLst>
-              <a:ext uri="{FF2B5EF4-FFF2-40B4-BE49-F238E27FC236}">
-                <a16:creationId xmlns:a16="http://schemas.microsoft.com/office/drawing/2014/main" id="{B30C4600-EDFD-BBA6-0A05-9FBDCA3058D3}"/>
-              </a:ext>
-            </a:extLst>
-          </p:cNvPr>
-          <p:cNvSpPr txBox="1"/>
-          <p:nvPr/>
-        </p:nvSpPr>
-        <p:spPr>
-          <a:xfrm>
-            <a:off x="9210060" y="6370714"/>
-            <a:ext cx="870386" cy="230832"/>
-          </a:xfrm>
-          <a:prstGeom prst="rect">
-            <a:avLst/>
-          </a:prstGeom>
-          <a:solidFill>
-            <a:schemeClr val="bg1"/>
-          </a:solidFill>
-        </p:spPr>
-        <p:txBody>
-          <a:bodyPr wrap="square" rtlCol="0">
-            <a:spAutoFit/>
-          </a:bodyPr>
-          <a:lstStyle/>
-          <a:p>
-            <a:r>
-              <a:rPr lang="en-US" altLang="ja-JP" sz="900" b="1" dirty="0">
-                <a:solidFill>
-                  <a:srgbClr val="FF0000"/>
-                </a:solidFill>
-              </a:rPr>
-              <a:t>&lt;p&gt;</a:t>
-            </a:r>
-          </a:p>
-        </p:txBody>
-      </p:sp>
-      <p:sp>
-        <p:nvSpPr>
-          <p:cNvPr id="50" name="テキスト ボックス 49">
-            <a:extLst>
-              <a:ext uri="{FF2B5EF4-FFF2-40B4-BE49-F238E27FC236}">
-                <a16:creationId xmlns:a16="http://schemas.microsoft.com/office/drawing/2014/main" id="{D13A7F7A-9931-CE8B-D67D-BE5F89708835}"/>
-              </a:ext>
-            </a:extLst>
-          </p:cNvPr>
-          <p:cNvSpPr txBox="1"/>
-          <p:nvPr/>
-        </p:nvSpPr>
-        <p:spPr>
-          <a:xfrm>
-            <a:off x="9331879" y="3713954"/>
-            <a:ext cx="565969" cy="230832"/>
-          </a:xfrm>
-          <a:prstGeom prst="rect">
-            <a:avLst/>
-          </a:prstGeom>
-          <a:solidFill>
-            <a:schemeClr val="bg1"/>
-          </a:solidFill>
-        </p:spPr>
-        <p:txBody>
-          <a:bodyPr wrap="square" rtlCol="0">
-            <a:spAutoFit/>
-          </a:bodyPr>
-          <a:lstStyle/>
-          <a:p>
-            <a:r>
-              <a:rPr lang="en-US" altLang="ja-JP" sz="900" b="1" dirty="0">
-                <a:solidFill>
-                  <a:srgbClr val="FF0000"/>
-                </a:solidFill>
-              </a:rPr>
-              <a:t>&lt;</a:t>
-            </a:r>
-            <a:r>
-              <a:rPr lang="en-US" altLang="ja-JP" sz="900" b="1" dirty="0" err="1">
-                <a:solidFill>
-                  <a:srgbClr val="FF0000"/>
-                </a:solidFill>
-              </a:rPr>
-              <a:t>img</a:t>
-            </a:r>
-            <a:r>
-              <a:rPr lang="en-US" altLang="ja-JP" sz="900" b="1" dirty="0">
-                <a:solidFill>
-                  <a:srgbClr val="FF0000"/>
-                </a:solidFill>
-              </a:rPr>
-              <a:t>&gt;</a:t>
-            </a:r>
-          </a:p>
-        </p:txBody>
-      </p:sp>
-      <p:sp>
-        <p:nvSpPr>
-          <p:cNvPr id="52" name="正方形/長方形 51">
-            <a:extLst>
-              <a:ext uri="{FF2B5EF4-FFF2-40B4-BE49-F238E27FC236}">
-                <a16:creationId xmlns:a16="http://schemas.microsoft.com/office/drawing/2014/main" id="{32997107-8751-42D4-908C-88BD4A23FB01}"/>
-              </a:ext>
-            </a:extLst>
-          </p:cNvPr>
-          <p:cNvSpPr/>
-          <p:nvPr/>
-        </p:nvSpPr>
-        <p:spPr>
-          <a:xfrm>
-            <a:off x="8592538" y="3580357"/>
-            <a:ext cx="1409939" cy="371060"/>
-          </a:xfrm>
-          <a:prstGeom prst="rect">
-            <a:avLst/>
-          </a:prstGeom>
-          <a:noFill/>
-          <a:ln>
-            <a:solidFill>
-              <a:srgbClr val="FF0000"/>
-            </a:solidFill>
-          </a:ln>
-        </p:spPr>
-        <p:style>
-          <a:lnRef idx="2">
-            <a:schemeClr val="accent1">
-              <a:shade val="15000"/>
-            </a:schemeClr>
-          </a:lnRef>
-          <a:fillRef idx="1">
-            <a:schemeClr val="accent1"/>
-          </a:fillRef>
-          <a:effectRef idx="0">
-            <a:schemeClr val="accent1"/>
-          </a:effectRef>
-          <a:fontRef idx="minor">
-            <a:schemeClr val="lt1"/>
-          </a:fontRef>
-        </p:style>
-        <p:txBody>
-          <a:bodyPr rtlCol="0" anchor="ctr"/>
-          <a:lstStyle/>
-          <a:p>
-            <a:pPr algn="ctr"/>
-            <a:endParaRPr kumimoji="1" lang="ja-JP" altLang="en-US"/>
-          </a:p>
-        </p:txBody>
-      </p:sp>
-      <p:sp>
-        <p:nvSpPr>
-          <p:cNvPr id="53" name="テキスト ボックス 52">
-            <a:extLst>
-              <a:ext uri="{FF2B5EF4-FFF2-40B4-BE49-F238E27FC236}">
-                <a16:creationId xmlns:a16="http://schemas.microsoft.com/office/drawing/2014/main" id="{3C908AB9-C14A-D3D3-15BE-E767097E18DA}"/>
-              </a:ext>
-            </a:extLst>
-          </p:cNvPr>
-          <p:cNvSpPr txBox="1"/>
-          <p:nvPr/>
-        </p:nvSpPr>
-        <p:spPr>
-          <a:xfrm>
-            <a:off x="9940432" y="3528691"/>
-            <a:ext cx="1003144" cy="400110"/>
-          </a:xfrm>
-          <a:prstGeom prst="rect">
-            <a:avLst/>
-          </a:prstGeom>
-          <a:solidFill>
-            <a:schemeClr val="accent5">
-              <a:lumMod val="20000"/>
-              <a:lumOff val="80000"/>
-            </a:schemeClr>
-          </a:solidFill>
-        </p:spPr>
-        <p:txBody>
-          <a:bodyPr wrap="square" rtlCol="0">
-            <a:spAutoFit/>
-          </a:bodyPr>
-          <a:lstStyle/>
-          <a:p>
-            <a:r>
-              <a:rPr lang="en-US" altLang="ja-JP" sz="1000" dirty="0"/>
-              <a:t>Div class </a:t>
-            </a:r>
-          </a:p>
-          <a:p>
-            <a:r>
-              <a:rPr lang="en-US" altLang="ja-JP" sz="1000" dirty="0" err="1"/>
-              <a:t>footerlogo</a:t>
-            </a:r>
-            <a:endParaRPr lang="en-US" altLang="ja-JP" sz="1000" dirty="0"/>
-          </a:p>
-        </p:txBody>
-      </p:sp>
-      <p:sp>
-        <p:nvSpPr>
-          <p:cNvPr id="54" name="四角形吹き出し 53">
-            <a:extLst>
-              <a:ext uri="{FF2B5EF4-FFF2-40B4-BE49-F238E27FC236}">
-                <a16:creationId xmlns:a16="http://schemas.microsoft.com/office/drawing/2014/main" id="{385BF376-3620-B008-7DD9-A1B74206D5A6}"/>
-              </a:ext>
-            </a:extLst>
-          </p:cNvPr>
-          <p:cNvSpPr/>
-          <p:nvPr/>
-        </p:nvSpPr>
-        <p:spPr>
-          <a:xfrm>
-            <a:off x="8831578" y="2470079"/>
-            <a:ext cx="1150487" cy="295951"/>
-          </a:xfrm>
-          <a:prstGeom prst="wedgeRectCallout">
-            <a:avLst>
-              <a:gd name="adj1" fmla="val -64562"/>
-              <a:gd name="adj2" fmla="val 25528"/>
-            </a:avLst>
-          </a:prstGeom>
-          <a:solidFill>
-            <a:schemeClr val="accent2">
-              <a:lumMod val="20000"/>
-              <a:lumOff val="80000"/>
-            </a:schemeClr>
-          </a:solidFill>
-        </p:spPr>
-        <p:style>
-          <a:lnRef idx="2">
-            <a:schemeClr val="accent1">
-              <a:shade val="15000"/>
-            </a:schemeClr>
-          </a:lnRef>
-          <a:fillRef idx="1">
-            <a:schemeClr val="accent1"/>
-          </a:fillRef>
-          <a:effectRef idx="0">
-            <a:schemeClr val="accent1"/>
-          </a:effectRef>
-          <a:fontRef idx="minor">
-            <a:schemeClr val="lt1"/>
-          </a:fontRef>
-        </p:style>
-        <p:txBody>
-          <a:bodyPr rtlCol="0" anchor="ctr"/>
-          <a:lstStyle/>
-          <a:p>
-            <a:pPr algn="ctr"/>
-            <a:r>
-              <a:rPr lang="en-US" altLang="ja-JP" sz="800" dirty="0" err="1">
-                <a:solidFill>
-                  <a:srgbClr val="CE9178"/>
-                </a:solidFill>
-                <a:latin typeface="Menlo" panose="020B0609030804020204" pitchFamily="49" charset="0"/>
-              </a:rPr>
-              <a:t>Img</a:t>
-            </a:r>
-            <a:r>
-              <a:rPr lang="en-US" altLang="ja-JP" sz="800" dirty="0">
-                <a:solidFill>
-                  <a:srgbClr val="CE9178"/>
-                </a:solidFill>
-                <a:latin typeface="Menlo" panose="020B0609030804020204" pitchFamily="49" charset="0"/>
-              </a:rPr>
-              <a:t>/antique</a:t>
-            </a:r>
-            <a:endParaRPr lang="en-US" altLang="ja-JP" sz="800" b="0" dirty="0">
-              <a:solidFill>
-                <a:srgbClr val="CCCCCC"/>
-              </a:solidFill>
-              <a:effectLst/>
-              <a:latin typeface="Menlo" panose="020B0609030804020204" pitchFamily="49" charset="0"/>
-            </a:endParaRPr>
+            <a:r>
+              <a:rPr kumimoji="1" lang="en-US" altLang="ja-JP" sz="1200" dirty="0"/>
+              <a:t>PC: flex</a:t>
+            </a:r>
+            <a:endParaRPr kumimoji="1" lang="ja-JP" altLang="en-US" sz="1200"/>
           </a:p>
         </p:txBody>
       </p:sp>
@@ -9879,7 +10160,7 @@
         </p:nvSpPr>
         <p:spPr>
           <a:xfrm>
-            <a:off x="695038" y="621470"/>
+            <a:off x="776502" y="632630"/>
             <a:ext cx="1765331" cy="246221"/>
           </a:xfrm>
           <a:prstGeom prst="rect">
@@ -11556,7 +11837,7 @@
         <p:spPr>
           <a:xfrm>
             <a:off x="3883556" y="5414320"/>
-            <a:ext cx="683087" cy="400110"/>
+            <a:ext cx="1585651" cy="246221"/>
           </a:xfrm>
           <a:prstGeom prst="rect">
             <a:avLst/>
@@ -11577,7 +11858,7 @@
                   <a:srgbClr val="FF0000"/>
                 </a:solidFill>
               </a:rPr>
-              <a:t>&lt;form&gt;&lt;a&gt;</a:t>
+              <a:t>&lt;a class=button&gt;</a:t>
             </a:r>
           </a:p>
         </p:txBody>
@@ -11636,10 +11917,10 @@
       </p:sp>
       <p:sp>
         <p:nvSpPr>
-          <p:cNvPr id="102" name="テキスト ボックス 101">
-            <a:extLst>
-              <a:ext uri="{FF2B5EF4-FFF2-40B4-BE49-F238E27FC236}">
-                <a16:creationId xmlns:a16="http://schemas.microsoft.com/office/drawing/2014/main" id="{608EDC9A-52E6-D4CC-BE6C-5D59EA320B2A}"/>
+          <p:cNvPr id="103" name="テキスト ボックス 102">
+            <a:extLst>
+              <a:ext uri="{FF2B5EF4-FFF2-40B4-BE49-F238E27FC236}">
+                <a16:creationId xmlns:a16="http://schemas.microsoft.com/office/drawing/2014/main" id="{C63786F4-8E3C-B8C6-601C-3FE478686FEB}"/>
               </a:ext>
             </a:extLst>
           </p:cNvPr>
@@ -11648,7 +11929,64 @@
         </p:nvSpPr>
         <p:spPr>
           <a:xfrm>
-            <a:off x="4490202" y="5356444"/>
+            <a:off x="1345621" y="5776710"/>
+            <a:ext cx="870386" cy="230832"/>
+          </a:xfrm>
+          <a:prstGeom prst="rect">
+            <a:avLst/>
+          </a:prstGeom>
+          <a:solidFill>
+            <a:schemeClr val="bg1"/>
+          </a:solidFill>
+        </p:spPr>
+        <p:txBody>
+          <a:bodyPr wrap="square" rtlCol="0">
+            <a:spAutoFit/>
+          </a:bodyPr>
+          <a:lstStyle/>
+          <a:p>
+            <a:r>
+              <a:rPr lang="en-US" altLang="ja-JP" sz="900" b="1" dirty="0">
+                <a:solidFill>
+                  <a:srgbClr val="FF0000"/>
+                </a:solidFill>
+              </a:rPr>
+              <a:t>&lt;</a:t>
+            </a:r>
+            <a:r>
+              <a:rPr lang="en-US" altLang="ja-JP" sz="900" b="1" dirty="0" err="1">
+                <a:solidFill>
+                  <a:srgbClr val="FF0000"/>
+                </a:solidFill>
+              </a:rPr>
+              <a:t>img</a:t>
+            </a:r>
+            <a:r>
+              <a:rPr lang="en-US" altLang="ja-JP" sz="900" b="1" dirty="0">
+                <a:solidFill>
+                  <a:srgbClr val="FF0000"/>
+                </a:solidFill>
+              </a:rPr>
+              <a:t>&gt;</a:t>
+            </a:r>
+          </a:p>
+        </p:txBody>
+      </p:sp>
+      <p:sp>
+        <p:nvSpPr>
+          <p:cNvPr id="104" name="テキスト ボックス 103">
+            <a:extLst>
+              <a:ext uri="{FF2B5EF4-FFF2-40B4-BE49-F238E27FC236}">
+                <a16:creationId xmlns:a16="http://schemas.microsoft.com/office/drawing/2014/main" id="{49743422-385A-3F60-1FFC-86CE2FB85B1F}"/>
+              </a:ext>
+            </a:extLst>
+          </p:cNvPr>
+          <p:cNvSpPr txBox="1"/>
+          <p:nvPr/>
+        </p:nvSpPr>
+        <p:spPr>
+          <a:xfrm>
+            <a:off x="1288633" y="6118791"/>
             <a:ext cx="1003144" cy="400110"/>
           </a:xfrm>
           <a:prstGeom prst="rect">
@@ -11669,103 +12007,6 @@
           <a:p>
             <a:r>
               <a:rPr lang="en-US" altLang="ja-JP" sz="1000" dirty="0"/>
-              <a:t>Div class form button</a:t>
-            </a:r>
-          </a:p>
-        </p:txBody>
-      </p:sp>
-      <p:sp>
-        <p:nvSpPr>
-          <p:cNvPr id="103" name="テキスト ボックス 102">
-            <a:extLst>
-              <a:ext uri="{FF2B5EF4-FFF2-40B4-BE49-F238E27FC236}">
-                <a16:creationId xmlns:a16="http://schemas.microsoft.com/office/drawing/2014/main" id="{C63786F4-8E3C-B8C6-601C-3FE478686FEB}"/>
-              </a:ext>
-            </a:extLst>
-          </p:cNvPr>
-          <p:cNvSpPr txBox="1"/>
-          <p:nvPr/>
-        </p:nvSpPr>
-        <p:spPr>
-          <a:xfrm>
-            <a:off x="1345621" y="5776710"/>
-            <a:ext cx="870386" cy="230832"/>
-          </a:xfrm>
-          <a:prstGeom prst="rect">
-            <a:avLst/>
-          </a:prstGeom>
-          <a:solidFill>
-            <a:schemeClr val="bg1"/>
-          </a:solidFill>
-        </p:spPr>
-        <p:txBody>
-          <a:bodyPr wrap="square" rtlCol="0">
-            <a:spAutoFit/>
-          </a:bodyPr>
-          <a:lstStyle/>
-          <a:p>
-            <a:r>
-              <a:rPr lang="en-US" altLang="ja-JP" sz="900" b="1" dirty="0">
-                <a:solidFill>
-                  <a:srgbClr val="FF0000"/>
-                </a:solidFill>
-              </a:rPr>
-              <a:t>&lt;</a:t>
-            </a:r>
-            <a:r>
-              <a:rPr lang="en-US" altLang="ja-JP" sz="900" b="1" dirty="0" err="1">
-                <a:solidFill>
-                  <a:srgbClr val="FF0000"/>
-                </a:solidFill>
-              </a:rPr>
-              <a:t>img</a:t>
-            </a:r>
-            <a:r>
-              <a:rPr lang="en-US" altLang="ja-JP" sz="900" b="1" dirty="0">
-                <a:solidFill>
-                  <a:srgbClr val="FF0000"/>
-                </a:solidFill>
-              </a:rPr>
-              <a:t>&gt;</a:t>
-            </a:r>
-          </a:p>
-        </p:txBody>
-      </p:sp>
-      <p:sp>
-        <p:nvSpPr>
-          <p:cNvPr id="104" name="テキスト ボックス 103">
-            <a:extLst>
-              <a:ext uri="{FF2B5EF4-FFF2-40B4-BE49-F238E27FC236}">
-                <a16:creationId xmlns:a16="http://schemas.microsoft.com/office/drawing/2014/main" id="{49743422-385A-3F60-1FFC-86CE2FB85B1F}"/>
-              </a:ext>
-            </a:extLst>
-          </p:cNvPr>
-          <p:cNvSpPr txBox="1"/>
-          <p:nvPr/>
-        </p:nvSpPr>
-        <p:spPr>
-          <a:xfrm>
-            <a:off x="1288633" y="6118791"/>
-            <a:ext cx="1003144" cy="400110"/>
-          </a:xfrm>
-          <a:prstGeom prst="rect">
-            <a:avLst/>
-          </a:prstGeom>
-          <a:solidFill>
-            <a:schemeClr val="accent5">
-              <a:lumMod val="20000"/>
-              <a:lumOff val="80000"/>
-            </a:schemeClr>
-          </a:solidFill>
-        </p:spPr>
-        <p:txBody>
-          <a:bodyPr wrap="square" rtlCol="0">
-            <a:spAutoFit/>
-          </a:bodyPr>
-          <a:lstStyle/>
-          <a:p>
-            <a:r>
-              <a:rPr lang="en-US" altLang="ja-JP" sz="1000" dirty="0"/>
               <a:t>Div class </a:t>
             </a:r>
             <a:r>
@@ -11790,8 +12031,8 @@
         </p:nvSpPr>
         <p:spPr>
           <a:xfrm>
-            <a:off x="1288633" y="5759788"/>
-            <a:ext cx="4287140" cy="742191"/>
+            <a:off x="1288633" y="5250306"/>
+            <a:ext cx="4287140" cy="1251674"/>
           </a:xfrm>
           <a:prstGeom prst="rect">
             <a:avLst/>
@@ -13372,7 +13613,7 @@
         </p:nvSpPr>
         <p:spPr>
           <a:xfrm>
-            <a:off x="2105188" y="1901035"/>
+            <a:off x="5660064" y="1798778"/>
             <a:ext cx="599898" cy="221082"/>
           </a:xfrm>
           <a:prstGeom prst="roundRect">
@@ -13909,8 +14150,8 @@
         </p:nvSpPr>
         <p:spPr>
           <a:xfrm>
-            <a:off x="2938876" y="2553442"/>
-            <a:ext cx="1431295" cy="1177729"/>
+            <a:off x="2938877" y="2553442"/>
+            <a:ext cx="1404808" cy="1177729"/>
           </a:xfrm>
           <a:prstGeom prst="rect">
             <a:avLst/>
@@ -13991,6 +14232,106 @@
               <a:t>footerlogo</a:t>
             </a:r>
             <a:endParaRPr lang="en-US" altLang="ja-JP" sz="1000" dirty="0"/>
+          </a:p>
+        </p:txBody>
+      </p:sp>
+      <p:sp>
+        <p:nvSpPr>
+          <p:cNvPr id="4" name="テキスト ボックス 3">
+            <a:extLst>
+              <a:ext uri="{FF2B5EF4-FFF2-40B4-BE49-F238E27FC236}">
+                <a16:creationId xmlns:a16="http://schemas.microsoft.com/office/drawing/2014/main" id="{3275A8D4-2E60-E992-5A4F-5D016675BE35}"/>
+              </a:ext>
+            </a:extLst>
+          </p:cNvPr>
+          <p:cNvSpPr txBox="1"/>
+          <p:nvPr/>
+        </p:nvSpPr>
+        <p:spPr>
+          <a:xfrm>
+            <a:off x="3028608" y="1857524"/>
+            <a:ext cx="2599624" cy="246221"/>
+          </a:xfrm>
+          <a:prstGeom prst="rect">
+            <a:avLst/>
+          </a:prstGeom>
+          <a:solidFill>
+            <a:schemeClr val="accent5">
+              <a:lumMod val="20000"/>
+              <a:lumOff val="80000"/>
+            </a:schemeClr>
+          </a:solidFill>
+        </p:spPr>
+        <p:txBody>
+          <a:bodyPr wrap="square" rtlCol="0">
+            <a:spAutoFit/>
+          </a:bodyPr>
+          <a:lstStyle/>
+          <a:p>
+            <a:r>
+              <a:rPr lang="en-US" altLang="ja-JP" sz="1000" dirty="0"/>
+              <a:t>Div </a:t>
+            </a:r>
+            <a:r>
+              <a:rPr lang="ja-JP" altLang="en-US" sz="1000"/>
+              <a:t>背景とフレックスのための</a:t>
+            </a:r>
+            <a:r>
+              <a:rPr lang="en-US" altLang="ja-JP" sz="1000" dirty="0"/>
+              <a:t>div</a:t>
+            </a:r>
+          </a:p>
+        </p:txBody>
+      </p:sp>
+      <p:sp>
+        <p:nvSpPr>
+          <p:cNvPr id="6" name="正方形/長方形 5">
+            <a:extLst>
+              <a:ext uri="{FF2B5EF4-FFF2-40B4-BE49-F238E27FC236}">
+                <a16:creationId xmlns:a16="http://schemas.microsoft.com/office/drawing/2014/main" id="{6C767D16-C0BD-2B8E-47D4-750D2C37A450}"/>
+              </a:ext>
+            </a:extLst>
+          </p:cNvPr>
+          <p:cNvSpPr/>
+          <p:nvPr/>
+        </p:nvSpPr>
+        <p:spPr>
+          <a:xfrm>
+            <a:off x="2419330" y="2044287"/>
+            <a:ext cx="7228793" cy="1914094"/>
+          </a:xfrm>
+          <a:prstGeom prst="rect">
+            <a:avLst/>
+          </a:prstGeom>
+          <a:noFill/>
+          <a:ln>
+            <a:solidFill>
+              <a:srgbClr val="FF0000"/>
+            </a:solidFill>
+          </a:ln>
+        </p:spPr>
+        <p:style>
+          <a:lnRef idx="2">
+            <a:schemeClr val="accent1">
+              <a:shade val="15000"/>
+            </a:schemeClr>
+          </a:lnRef>
+          <a:fillRef idx="1">
+            <a:schemeClr val="accent1"/>
+          </a:fillRef>
+          <a:effectRef idx="0">
+            <a:schemeClr val="accent1"/>
+          </a:effectRef>
+          <a:fontRef idx="minor">
+            <a:schemeClr val="lt1"/>
+          </a:fontRef>
+        </p:style>
+        <p:txBody>
+          <a:bodyPr rtlCol="0" anchor="ctr"/>
+          <a:lstStyle/>
+          <a:p>
+            <a:pPr algn="ctr"/>
+            <a:endParaRPr kumimoji="1" lang="ja-JP" altLang="en-US"/>
           </a:p>
         </p:txBody>
       </p:sp>

--- a/dojo_03_miyajima/dojo_03_cordinig_design.pptx
+++ b/dojo_03_miyajima/dojo_03_cordinig_design.pptx
@@ -201,7 +201,7 @@
           <a:p>
             <a:fld id="{C7D01095-D25D-A445-A201-D8896F3961E8}" type="datetimeFigureOut">
               <a:rPr kumimoji="1" lang="ja-JP" altLang="en-US" smtClean="0"/>
-              <a:t>2024/10/16</a:t>
+              <a:t>2024/10/18</a:t>
             </a:fld>
             <a:endParaRPr kumimoji="1" lang="ja-JP" altLang="en-US"/>
           </a:p>
@@ -731,7 +731,7 @@
           <a:p>
             <a:fld id="{8957537A-E593-C244-8FA2-8DE7DF7C250B}" type="datetimeFigureOut">
               <a:rPr kumimoji="1" lang="ja-JP" altLang="en-US" smtClean="0"/>
-              <a:t>2024/10/16</a:t>
+              <a:t>2024/10/18</a:t>
             </a:fld>
             <a:endParaRPr kumimoji="1" lang="ja-JP" altLang="en-US"/>
           </a:p>
@@ -961,7 +961,7 @@
           <a:p>
             <a:fld id="{8957537A-E593-C244-8FA2-8DE7DF7C250B}" type="datetimeFigureOut">
               <a:rPr kumimoji="1" lang="ja-JP" altLang="en-US" smtClean="0"/>
-              <a:t>2024/10/16</a:t>
+              <a:t>2024/10/18</a:t>
             </a:fld>
             <a:endParaRPr kumimoji="1" lang="ja-JP" altLang="en-US"/>
           </a:p>
@@ -1201,7 +1201,7 @@
           <a:p>
             <a:fld id="{8957537A-E593-C244-8FA2-8DE7DF7C250B}" type="datetimeFigureOut">
               <a:rPr kumimoji="1" lang="ja-JP" altLang="en-US" smtClean="0"/>
-              <a:t>2024/10/16</a:t>
+              <a:t>2024/10/18</a:t>
             </a:fld>
             <a:endParaRPr kumimoji="1" lang="ja-JP" altLang="en-US"/>
           </a:p>
@@ -1431,7 +1431,7 @@
           <a:p>
             <a:fld id="{8957537A-E593-C244-8FA2-8DE7DF7C250B}" type="datetimeFigureOut">
               <a:rPr kumimoji="1" lang="ja-JP" altLang="en-US" smtClean="0"/>
-              <a:t>2024/10/16</a:t>
+              <a:t>2024/10/18</a:t>
             </a:fld>
             <a:endParaRPr kumimoji="1" lang="ja-JP" altLang="en-US"/>
           </a:p>
@@ -1706,7 +1706,7 @@
           <a:p>
             <a:fld id="{8957537A-E593-C244-8FA2-8DE7DF7C250B}" type="datetimeFigureOut">
               <a:rPr kumimoji="1" lang="ja-JP" altLang="en-US" smtClean="0"/>
-              <a:t>2024/10/16</a:t>
+              <a:t>2024/10/18</a:t>
             </a:fld>
             <a:endParaRPr kumimoji="1" lang="ja-JP" altLang="en-US"/>
           </a:p>
@@ -2035,7 +2035,7 @@
           <a:p>
             <a:fld id="{8957537A-E593-C244-8FA2-8DE7DF7C250B}" type="datetimeFigureOut">
               <a:rPr kumimoji="1" lang="ja-JP" altLang="en-US" smtClean="0"/>
-              <a:t>2024/10/16</a:t>
+              <a:t>2024/10/18</a:t>
             </a:fld>
             <a:endParaRPr kumimoji="1" lang="ja-JP" altLang="en-US"/>
           </a:p>
@@ -2511,7 +2511,7 @@
           <a:p>
             <a:fld id="{8957537A-E593-C244-8FA2-8DE7DF7C250B}" type="datetimeFigureOut">
               <a:rPr kumimoji="1" lang="ja-JP" altLang="en-US" smtClean="0"/>
-              <a:t>2024/10/16</a:t>
+              <a:t>2024/10/18</a:t>
             </a:fld>
             <a:endParaRPr kumimoji="1" lang="ja-JP" altLang="en-US"/>
           </a:p>
@@ -2652,7 +2652,7 @@
           <a:p>
             <a:fld id="{8957537A-E593-C244-8FA2-8DE7DF7C250B}" type="datetimeFigureOut">
               <a:rPr kumimoji="1" lang="ja-JP" altLang="en-US" smtClean="0"/>
-              <a:t>2024/10/16</a:t>
+              <a:t>2024/10/18</a:t>
             </a:fld>
             <a:endParaRPr kumimoji="1" lang="ja-JP" altLang="en-US"/>
           </a:p>
@@ -2765,7 +2765,7 @@
           <a:p>
             <a:fld id="{8957537A-E593-C244-8FA2-8DE7DF7C250B}" type="datetimeFigureOut">
               <a:rPr kumimoji="1" lang="ja-JP" altLang="en-US" smtClean="0"/>
-              <a:t>2024/10/16</a:t>
+              <a:t>2024/10/18</a:t>
             </a:fld>
             <a:endParaRPr kumimoji="1" lang="ja-JP" altLang="en-US"/>
           </a:p>
@@ -3108,7 +3108,7 @@
           <a:p>
             <a:fld id="{8957537A-E593-C244-8FA2-8DE7DF7C250B}" type="datetimeFigureOut">
               <a:rPr kumimoji="1" lang="ja-JP" altLang="en-US" smtClean="0"/>
-              <a:t>2024/10/16</a:t>
+              <a:t>2024/10/18</a:t>
             </a:fld>
             <a:endParaRPr kumimoji="1" lang="ja-JP" altLang="en-US"/>
           </a:p>
@@ -3396,7 +3396,7 @@
           <a:p>
             <a:fld id="{8957537A-E593-C244-8FA2-8DE7DF7C250B}" type="datetimeFigureOut">
               <a:rPr kumimoji="1" lang="ja-JP" altLang="en-US" smtClean="0"/>
-              <a:t>2024/10/16</a:t>
+              <a:t>2024/10/18</a:t>
             </a:fld>
             <a:endParaRPr kumimoji="1" lang="ja-JP" altLang="en-US"/>
           </a:p>
@@ -3669,7 +3669,7 @@
           <a:p>
             <a:fld id="{8957537A-E593-C244-8FA2-8DE7DF7C250B}" type="datetimeFigureOut">
               <a:rPr kumimoji="1" lang="ja-JP" altLang="en-US" smtClean="0"/>
-              <a:t>2024/10/16</a:t>
+              <a:t>2024/10/18</a:t>
             </a:fld>
             <a:endParaRPr kumimoji="1" lang="ja-JP" altLang="en-US"/>
           </a:p>
@@ -5001,8 +5001,8 @@
         </p:nvSpPr>
         <p:spPr>
           <a:xfrm>
-            <a:off x="862933" y="1484871"/>
-            <a:ext cx="1430552" cy="523220"/>
+            <a:off x="1035770" y="972264"/>
+            <a:ext cx="1457661" cy="1456809"/>
           </a:xfrm>
           <a:prstGeom prst="rect">
             <a:avLst/>
@@ -5073,6 +5073,114 @@
               </a:rPr>
               <a:t> "); </a:t>
             </a:r>
+          </a:p>
+          <a:p>
+            <a:endParaRPr lang="en-US" altLang="ja-JP" sz="700" b="1" dirty="0">
+              <a:solidFill>
+                <a:srgbClr val="FF0000"/>
+              </a:solidFill>
+            </a:endParaRPr>
+          </a:p>
+          <a:p>
+            <a:pPr>
+              <a:lnSpc>
+                <a:spcPts val="1350"/>
+              </a:lnSpc>
+            </a:pPr>
+            <a:r>
+              <a:rPr lang="en-US" altLang="ja-JP" sz="800" b="0" dirty="0">
+                <a:solidFill>
+                  <a:srgbClr val="9CDCFE"/>
+                </a:solidFill>
+                <a:effectLst/>
+                <a:latin typeface="Menlo" panose="020B0609030804020204" pitchFamily="49" charset="0"/>
+              </a:rPr>
+              <a:t>background-position</a:t>
+            </a:r>
+            <a:r>
+              <a:rPr lang="en-US" altLang="ja-JP" sz="800" b="0" dirty="0">
+                <a:solidFill>
+                  <a:srgbClr val="CCCCCC"/>
+                </a:solidFill>
+                <a:effectLst/>
+                <a:latin typeface="Menlo" panose="020B0609030804020204" pitchFamily="49" charset="0"/>
+              </a:rPr>
+              <a:t>: </a:t>
+            </a:r>
+            <a:r>
+              <a:rPr lang="en-US" altLang="ja-JP" sz="800" b="0" dirty="0">
+                <a:solidFill>
+                  <a:srgbClr val="CE9178"/>
+                </a:solidFill>
+                <a:effectLst/>
+                <a:latin typeface="Menlo" panose="020B0609030804020204" pitchFamily="49" charset="0"/>
+              </a:rPr>
+              <a:t>center</a:t>
+            </a:r>
+            <a:r>
+              <a:rPr lang="en-US" altLang="ja-JP" sz="800" b="0" dirty="0">
+                <a:solidFill>
+                  <a:srgbClr val="CCCCCC"/>
+                </a:solidFill>
+                <a:effectLst/>
+                <a:latin typeface="Menlo" panose="020B0609030804020204" pitchFamily="49" charset="0"/>
+              </a:rPr>
+              <a:t>;</a:t>
+            </a:r>
+          </a:p>
+          <a:p>
+            <a:pPr>
+              <a:lnSpc>
+                <a:spcPts val="1350"/>
+              </a:lnSpc>
+            </a:pPr>
+            <a:r>
+              <a:rPr lang="en-US" altLang="ja-JP" sz="800" b="0" dirty="0">
+                <a:solidFill>
+                  <a:srgbClr val="9CDCFE"/>
+                </a:solidFill>
+                <a:effectLst/>
+                <a:latin typeface="Menlo" panose="020B0609030804020204" pitchFamily="49" charset="0"/>
+              </a:rPr>
+              <a:t>background-size</a:t>
+            </a:r>
+            <a:r>
+              <a:rPr lang="en-US" altLang="ja-JP" sz="800" b="0" dirty="0">
+                <a:solidFill>
+                  <a:srgbClr val="CCCCCC"/>
+                </a:solidFill>
+                <a:effectLst/>
+                <a:latin typeface="Menlo" panose="020B0609030804020204" pitchFamily="49" charset="0"/>
+              </a:rPr>
+              <a:t>: </a:t>
+            </a:r>
+            <a:r>
+              <a:rPr lang="en-US" altLang="ja-JP" sz="800" b="0" dirty="0">
+                <a:solidFill>
+                  <a:srgbClr val="CE9178"/>
+                </a:solidFill>
+                <a:effectLst/>
+                <a:latin typeface="Menlo" panose="020B0609030804020204" pitchFamily="49" charset="0"/>
+              </a:rPr>
+              <a:t>cover</a:t>
+            </a:r>
+            <a:r>
+              <a:rPr lang="en-US" altLang="ja-JP" sz="800" b="0" dirty="0">
+                <a:solidFill>
+                  <a:srgbClr val="CCCCCC"/>
+                </a:solidFill>
+                <a:effectLst/>
+                <a:latin typeface="Menlo" panose="020B0609030804020204" pitchFamily="49" charset="0"/>
+              </a:rPr>
+              <a:t>;</a:t>
+            </a:r>
+          </a:p>
+          <a:p>
+            <a:endParaRPr lang="en-US" altLang="ja-JP" sz="700" b="1" dirty="0">
+              <a:solidFill>
+                <a:srgbClr val="FF0000"/>
+              </a:solidFill>
+            </a:endParaRPr>
           </a:p>
           <a:p>
             <a:endParaRPr lang="en-US" altLang="ja-JP" sz="700" b="1" dirty="0">
